--- a/invoke-kudu-rest-api/images/figures.pptx
+++ b/invoke-kudu-rest-api/images/figures.pptx
@@ -4,6 +4,13 @@
   <p:sldMasterIdLst>
     <p:sldMasterId id="2147483648" r:id="rId1"/>
   </p:sldMasterIdLst>
+  <p:sldIdLst>
+    <p:sldId id="256" r:id="rId2"/>
+    <p:sldId id="258" r:id="rId3"/>
+    <p:sldId id="259" r:id="rId4"/>
+    <p:sldId id="260" r:id="rId5"/>
+    <p:sldId id="261" r:id="rId6"/>
+  </p:sldIdLst>
   <p:sldSz cx="12192000" cy="6858000"/>
   <p:notesSz cx="6858000" cy="9144000"/>
   <p:defaultTextStyle>
@@ -3594,6 +3601,3107 @@
 </p:sldMaster>
 </file>
 
+<file path=ppt/slides/slide1.xml><?xml version="1.0" encoding="utf-8"?>
+<p:sld xmlns:a="http://schemas.openxmlformats.org/drawingml/2006/main" xmlns:r="http://schemas.openxmlformats.org/officeDocument/2006/relationships" xmlns:p="http://schemas.openxmlformats.org/presentationml/2006/main">
+  <p:cSld>
+    <p:spTree>
+      <p:nvGrpSpPr>
+        <p:cNvPr id="1" name=""/>
+        <p:cNvGrpSpPr/>
+        <p:nvPr/>
+      </p:nvGrpSpPr>
+      <p:grpSpPr>
+        <a:xfrm>
+          <a:off x="0" y="0"/>
+          <a:ext cx="0" cy="0"/>
+          <a:chOff x="0" y="0"/>
+          <a:chExt cx="0" cy="0"/>
+        </a:xfrm>
+      </p:grpSpPr>
+    </p:spTree>
+    <p:extLst>
+      <p:ext uri="{BB962C8B-B14F-4D97-AF65-F5344CB8AC3E}">
+        <p14:creationId xmlns:p14="http://schemas.microsoft.com/office/powerpoint/2010/main" val="650845334"/>
+      </p:ext>
+    </p:extLst>
+  </p:cSld>
+  <p:clrMapOvr>
+    <a:masterClrMapping/>
+  </p:clrMapOvr>
+</p:sld>
+</file>
+
+<file path=ppt/slides/slide2.xml><?xml version="1.0" encoding="utf-8"?>
+<p:sld xmlns:a="http://schemas.openxmlformats.org/drawingml/2006/main" xmlns:r="http://schemas.openxmlformats.org/officeDocument/2006/relationships" xmlns:p="http://schemas.openxmlformats.org/presentationml/2006/main">
+  <p:cSld>
+    <p:spTree>
+      <p:nvGrpSpPr>
+        <p:cNvPr id="1" name=""/>
+        <p:cNvGrpSpPr/>
+        <p:nvPr/>
+      </p:nvGrpSpPr>
+      <p:grpSpPr>
+        <a:xfrm>
+          <a:off x="0" y="0"/>
+          <a:ext cx="0" cy="0"/>
+          <a:chOff x="0" y="0"/>
+          <a:chExt cx="0" cy="0"/>
+        </a:xfrm>
+      </p:grpSpPr>
+      <p:sp>
+        <p:nvSpPr>
+          <p:cNvPr id="55" name="正方形/長方形 54">
+            <a:extLst>
+              <a:ext uri="{FF2B5EF4-FFF2-40B4-BE49-F238E27FC236}">
+                <a16:creationId xmlns:a16="http://schemas.microsoft.com/office/drawing/2014/main" id="{8AC105DB-3C6B-C9DD-7EBE-8C4C83A94E1D}"/>
+              </a:ext>
+            </a:extLst>
+          </p:cNvPr>
+          <p:cNvSpPr/>
+          <p:nvPr/>
+        </p:nvSpPr>
+        <p:spPr>
+          <a:xfrm>
+            <a:off x="199379" y="169333"/>
+            <a:ext cx="13508154" cy="6527800"/>
+          </a:xfrm>
+          <a:prstGeom prst="rect">
+            <a:avLst/>
+          </a:prstGeom>
+          <a:ln>
+            <a:noFill/>
+          </a:ln>
+          <a:effectLst>
+            <a:outerShdw blurRad="50800" dist="38100" dir="2700000" algn="tl" rotWithShape="0">
+              <a:prstClr val="black">
+                <a:alpha val="40000"/>
+              </a:prstClr>
+            </a:outerShdw>
+          </a:effectLst>
+        </p:spPr>
+        <p:style>
+          <a:lnRef idx="2">
+            <a:schemeClr val="accent6"/>
+          </a:lnRef>
+          <a:fillRef idx="1">
+            <a:schemeClr val="lt1"/>
+          </a:fillRef>
+          <a:effectRef idx="0">
+            <a:schemeClr val="accent6"/>
+          </a:effectRef>
+          <a:fontRef idx="minor">
+            <a:schemeClr val="dk1"/>
+          </a:fontRef>
+        </p:style>
+        <p:txBody>
+          <a:bodyPr rtlCol="0" anchor="ctr"/>
+          <a:lstStyle/>
+          <a:p>
+            <a:pPr algn="ctr"/>
+            <a:endParaRPr kumimoji="1" lang="ja-JP" altLang="en-US"/>
+          </a:p>
+        </p:txBody>
+      </p:sp>
+      <p:sp>
+        <p:nvSpPr>
+          <p:cNvPr id="8" name="正方形/長方形 7">
+            <a:extLst>
+              <a:ext uri="{FF2B5EF4-FFF2-40B4-BE49-F238E27FC236}">
+                <a16:creationId xmlns:a16="http://schemas.microsoft.com/office/drawing/2014/main" id="{5C4DEC27-DB1E-CCD8-15CB-4D963C544E42}"/>
+              </a:ext>
+            </a:extLst>
+          </p:cNvPr>
+          <p:cNvSpPr/>
+          <p:nvPr/>
+        </p:nvSpPr>
+        <p:spPr bwMode="auto">
+          <a:xfrm>
+            <a:off x="5741391" y="3960255"/>
+            <a:ext cx="7732374" cy="603092"/>
+          </a:xfrm>
+          <a:prstGeom prst="rect">
+            <a:avLst/>
+          </a:prstGeom>
+          <a:ln>
+            <a:headEnd type="none" w="med" len="med"/>
+            <a:tailEnd type="none" w="med" len="med"/>
+          </a:ln>
+        </p:spPr>
+        <p:style>
+          <a:lnRef idx="1">
+            <a:schemeClr val="accent1"/>
+          </a:lnRef>
+          <a:fillRef idx="2">
+            <a:schemeClr val="accent1"/>
+          </a:fillRef>
+          <a:effectRef idx="1">
+            <a:schemeClr val="accent1"/>
+          </a:effectRef>
+          <a:fontRef idx="minor">
+            <a:schemeClr val="dk1"/>
+          </a:fontRef>
+        </p:style>
+        <p:txBody>
+          <a:bodyPr rot="0" spcFirstLastPara="0" vertOverflow="overflow" horzOverflow="overflow" vert="horz" wrap="square" lIns="179285" tIns="143428" rIns="179285" bIns="143428" numCol="1" spcCol="0" rtlCol="0" fromWordArt="0" anchor="ctr" anchorCtr="0" forceAA="0" compatLnSpc="1">
+            <a:prstTxWarp prst="textNoShape">
+              <a:avLst/>
+            </a:prstTxWarp>
+            <a:noAutofit/>
+          </a:bodyPr>
+          <a:lstStyle/>
+          <a:p>
+            <a:pPr algn="ctr" defTabSz="914102" fontAlgn="base">
+              <a:lnSpc>
+                <a:spcPct val="90000"/>
+              </a:lnSpc>
+              <a:spcBef>
+                <a:spcPct val="0"/>
+              </a:spcBef>
+              <a:spcAft>
+                <a:spcPct val="0"/>
+              </a:spcAft>
+            </a:pPr>
+            <a:r>
+              <a:rPr lang="en-US" altLang="ja-JP" sz="1765" dirty="0">
+                <a:solidFill>
+                  <a:schemeClr val="tx2"/>
+                </a:solidFill>
+                <a:cs typeface="Segoe UI" pitchFamily="34" charset="0"/>
+              </a:rPr>
+              <a:t>Azure</a:t>
+            </a:r>
+            <a:r>
+              <a:rPr lang="ja-JP" altLang="en-US" sz="1765" dirty="0">
+                <a:solidFill>
+                  <a:schemeClr val="tx2"/>
+                </a:solidFill>
+                <a:cs typeface="Segoe UI" pitchFamily="34" charset="0"/>
+              </a:rPr>
+              <a:t> </a:t>
+            </a:r>
+            <a:r>
+              <a:rPr lang="en-US" altLang="ja-JP" sz="1765" dirty="0">
+                <a:solidFill>
+                  <a:schemeClr val="tx2"/>
+                </a:solidFill>
+                <a:cs typeface="Segoe UI" pitchFamily="34" charset="0"/>
+              </a:rPr>
+              <a:t>Platform</a:t>
+            </a:r>
+            <a:endParaRPr lang="ja-JP" altLang="en-US" sz="1765" dirty="0">
+              <a:solidFill>
+                <a:schemeClr val="tx2"/>
+              </a:solidFill>
+              <a:cs typeface="Segoe UI" pitchFamily="34" charset="0"/>
+            </a:endParaRPr>
+          </a:p>
+        </p:txBody>
+      </p:sp>
+      <p:sp>
+        <p:nvSpPr>
+          <p:cNvPr id="38" name="四角形: 角を丸くする 37">
+            <a:extLst>
+              <a:ext uri="{FF2B5EF4-FFF2-40B4-BE49-F238E27FC236}">
+                <a16:creationId xmlns:a16="http://schemas.microsoft.com/office/drawing/2014/main" id="{99ADC62D-2886-F6EC-C41B-506436D57FCB}"/>
+              </a:ext>
+            </a:extLst>
+          </p:cNvPr>
+          <p:cNvSpPr/>
+          <p:nvPr/>
+        </p:nvSpPr>
+        <p:spPr bwMode="auto">
+          <a:xfrm>
+            <a:off x="6560521" y="1455184"/>
+            <a:ext cx="1605227" cy="1803255"/>
+          </a:xfrm>
+          <a:prstGeom prst="roundRect">
+            <a:avLst/>
+          </a:prstGeom>
+          <a:ln>
+            <a:headEnd type="none" w="med" len="med"/>
+            <a:tailEnd type="none" w="med" len="med"/>
+          </a:ln>
+        </p:spPr>
+        <p:style>
+          <a:lnRef idx="2">
+            <a:schemeClr val="accent1"/>
+          </a:lnRef>
+          <a:fillRef idx="1">
+            <a:schemeClr val="lt1"/>
+          </a:fillRef>
+          <a:effectRef idx="0">
+            <a:schemeClr val="accent1"/>
+          </a:effectRef>
+          <a:fontRef idx="minor">
+            <a:schemeClr val="dk1"/>
+          </a:fontRef>
+        </p:style>
+        <p:txBody>
+          <a:bodyPr rot="0" spcFirstLastPara="0" vertOverflow="overflow" horzOverflow="overflow" vert="horz" wrap="square" lIns="179285" tIns="143428" rIns="179285" bIns="143428" numCol="1" spcCol="0" rtlCol="0" fromWordArt="0" anchor="ctr" anchorCtr="0" forceAA="0" compatLnSpc="1">
+            <a:prstTxWarp prst="textNoShape">
+              <a:avLst/>
+            </a:prstTxWarp>
+            <a:noAutofit/>
+          </a:bodyPr>
+          <a:lstStyle/>
+          <a:p>
+            <a:pPr algn="ctr" defTabSz="914102" fontAlgn="base">
+              <a:lnSpc>
+                <a:spcPct val="90000"/>
+              </a:lnSpc>
+              <a:spcBef>
+                <a:spcPct val="0"/>
+              </a:spcBef>
+              <a:spcAft>
+                <a:spcPct val="0"/>
+              </a:spcAft>
+            </a:pPr>
+            <a:endParaRPr lang="ja-JP" altLang="en-US" sz="1765" dirty="0">
+              <a:solidFill>
+                <a:schemeClr val="tx2"/>
+              </a:solidFill>
+              <a:cs typeface="Segoe UI" pitchFamily="34" charset="0"/>
+            </a:endParaRPr>
+          </a:p>
+        </p:txBody>
+      </p:sp>
+      <p:pic>
+        <p:nvPicPr>
+          <p:cNvPr id="7" name="グラフィックス 6">
+            <a:extLst>
+              <a:ext uri="{FF2B5EF4-FFF2-40B4-BE49-F238E27FC236}">
+                <a16:creationId xmlns:a16="http://schemas.microsoft.com/office/drawing/2014/main" id="{17229BD7-7239-D728-B38E-2399A64C5467}"/>
+              </a:ext>
+            </a:extLst>
+          </p:cNvPr>
+          <p:cNvPicPr>
+            <a:picLocks noChangeAspect="1"/>
+          </p:cNvPicPr>
+          <p:nvPr/>
+        </p:nvPicPr>
+        <p:blipFill>
+          <a:blip r:embed="rId2">
+            <a:extLst>
+              <a:ext uri="{96DAC541-7B7A-43D3-8B79-37D633B846F1}">
+                <asvg:svgBlip xmlns:asvg="http://schemas.microsoft.com/office/drawing/2016/SVG/main" r:embed="rId3"/>
+              </a:ext>
+            </a:extLst>
+          </a:blip>
+          <a:stretch>
+            <a:fillRect/>
+          </a:stretch>
+        </p:blipFill>
+        <p:spPr>
+          <a:xfrm>
+            <a:off x="5282588" y="3615806"/>
+            <a:ext cx="772326" cy="772326"/>
+          </a:xfrm>
+          <a:prstGeom prst="rect">
+            <a:avLst/>
+          </a:prstGeom>
+        </p:spPr>
+      </p:pic>
+      <p:sp>
+        <p:nvSpPr>
+          <p:cNvPr id="9" name="テキスト ボックス 8">
+            <a:extLst>
+              <a:ext uri="{FF2B5EF4-FFF2-40B4-BE49-F238E27FC236}">
+                <a16:creationId xmlns:a16="http://schemas.microsoft.com/office/drawing/2014/main" id="{C3A83414-1352-81F6-EC86-042EA4387EA4}"/>
+              </a:ext>
+            </a:extLst>
+          </p:cNvPr>
+          <p:cNvSpPr txBox="1"/>
+          <p:nvPr/>
+        </p:nvSpPr>
+        <p:spPr>
+          <a:xfrm>
+            <a:off x="4441512" y="4513988"/>
+            <a:ext cx="2439110" cy="617183"/>
+          </a:xfrm>
+          <a:prstGeom prst="rect">
+            <a:avLst/>
+          </a:prstGeom>
+          <a:noFill/>
+        </p:spPr>
+        <p:txBody>
+          <a:bodyPr wrap="square" lIns="179285" tIns="143428" rIns="179285" bIns="143428" rtlCol="0">
+            <a:spAutoFit/>
+          </a:bodyPr>
+          <a:lstStyle/>
+          <a:p>
+            <a:pPr algn="ctr">
+              <a:lnSpc>
+                <a:spcPct val="90000"/>
+              </a:lnSpc>
+              <a:spcAft>
+                <a:spcPts val="588"/>
+              </a:spcAft>
+            </a:pPr>
+            <a:r>
+              <a:rPr lang="en-US" altLang="ja-JP" sz="1176" dirty="0">
+                <a:gradFill>
+                  <a:gsLst>
+                    <a:gs pos="2917">
+                      <a:schemeClr val="tx1"/>
+                    </a:gs>
+                    <a:gs pos="30000">
+                      <a:schemeClr val="tx1"/>
+                    </a:gs>
+                  </a:gsLst>
+                  <a:lin ang="5400000" scaled="0"/>
+                </a:gradFill>
+              </a:rPr>
+              <a:t>Azure</a:t>
+            </a:r>
+            <a:r>
+              <a:rPr lang="ja-JP" altLang="en-US" sz="1176" dirty="0">
+                <a:gradFill>
+                  <a:gsLst>
+                    <a:gs pos="2917">
+                      <a:schemeClr val="tx1"/>
+                    </a:gs>
+                    <a:gs pos="30000">
+                      <a:schemeClr val="tx1"/>
+                    </a:gs>
+                  </a:gsLst>
+                  <a:lin ang="5400000" scaled="0"/>
+                </a:gradFill>
+              </a:rPr>
+              <a:t> </a:t>
+            </a:r>
+            <a:r>
+              <a:rPr lang="en-US" altLang="ja-JP" sz="1176" dirty="0">
+                <a:gradFill>
+                  <a:gsLst>
+                    <a:gs pos="2917">
+                      <a:schemeClr val="tx1"/>
+                    </a:gs>
+                    <a:gs pos="30000">
+                      <a:schemeClr val="tx1"/>
+                    </a:gs>
+                  </a:gsLst>
+                  <a:lin ang="5400000" scaled="0"/>
+                </a:gradFill>
+              </a:rPr>
+              <a:t>Portal</a:t>
+            </a:r>
+            <a:r>
+              <a:rPr lang="ja-JP" altLang="en-US" sz="1176" dirty="0">
+                <a:gradFill>
+                  <a:gsLst>
+                    <a:gs pos="2917">
+                      <a:schemeClr val="tx1"/>
+                    </a:gs>
+                    <a:gs pos="30000">
+                      <a:schemeClr val="tx1"/>
+                    </a:gs>
+                  </a:gsLst>
+                  <a:lin ang="5400000" scaled="0"/>
+                </a:gradFill>
+              </a:rPr>
+              <a:t> </a:t>
+            </a:r>
+            <a:r>
+              <a:rPr lang="en-US" altLang="ja-JP" sz="1176" dirty="0">
+                <a:gradFill>
+                  <a:gsLst>
+                    <a:gs pos="2917">
+                      <a:schemeClr val="tx1"/>
+                    </a:gs>
+                    <a:gs pos="30000">
+                      <a:schemeClr val="tx1"/>
+                    </a:gs>
+                  </a:gsLst>
+                  <a:lin ang="5400000" scaled="0"/>
+                </a:gradFill>
+              </a:rPr>
+              <a:t>or</a:t>
+            </a:r>
+            <a:br>
+              <a:rPr lang="en-US" altLang="ja-JP" sz="1176" dirty="0">
+                <a:gradFill>
+                  <a:gsLst>
+                    <a:gs pos="2917">
+                      <a:schemeClr val="tx1"/>
+                    </a:gs>
+                    <a:gs pos="30000">
+                      <a:schemeClr val="tx1"/>
+                    </a:gs>
+                  </a:gsLst>
+                  <a:lin ang="5400000" scaled="0"/>
+                </a:gradFill>
+              </a:rPr>
+            </a:br>
+            <a:r>
+              <a:rPr lang="en-US" altLang="ja-JP" sz="1176" dirty="0">
+                <a:gradFill>
+                  <a:gsLst>
+                    <a:gs pos="2917">
+                      <a:schemeClr val="tx1"/>
+                    </a:gs>
+                    <a:gs pos="30000">
+                      <a:schemeClr val="tx1"/>
+                    </a:gs>
+                  </a:gsLst>
+                  <a:lin ang="5400000" scaled="0"/>
+                </a:gradFill>
+              </a:rPr>
+              <a:t>Azure</a:t>
+            </a:r>
+            <a:r>
+              <a:rPr lang="ja-JP" altLang="en-US" sz="1176" dirty="0">
+                <a:gradFill>
+                  <a:gsLst>
+                    <a:gs pos="2917">
+                      <a:schemeClr val="tx1"/>
+                    </a:gs>
+                    <a:gs pos="30000">
+                      <a:schemeClr val="tx1"/>
+                    </a:gs>
+                  </a:gsLst>
+                  <a:lin ang="5400000" scaled="0"/>
+                </a:gradFill>
+              </a:rPr>
+              <a:t> </a:t>
+            </a:r>
+            <a:r>
+              <a:rPr lang="en-US" altLang="ja-JP" sz="1176" dirty="0">
+                <a:gradFill>
+                  <a:gsLst>
+                    <a:gs pos="2917">
+                      <a:schemeClr val="tx1"/>
+                    </a:gs>
+                    <a:gs pos="30000">
+                      <a:schemeClr val="tx1"/>
+                    </a:gs>
+                  </a:gsLst>
+                  <a:lin ang="5400000" scaled="0"/>
+                </a:gradFill>
+              </a:rPr>
+              <a:t>Resource</a:t>
+            </a:r>
+            <a:r>
+              <a:rPr lang="ja-JP" altLang="en-US" sz="1176" dirty="0">
+                <a:gradFill>
+                  <a:gsLst>
+                    <a:gs pos="2917">
+                      <a:schemeClr val="tx1"/>
+                    </a:gs>
+                    <a:gs pos="30000">
+                      <a:schemeClr val="tx1"/>
+                    </a:gs>
+                  </a:gsLst>
+                  <a:lin ang="5400000" scaled="0"/>
+                </a:gradFill>
+              </a:rPr>
+              <a:t> </a:t>
+            </a:r>
+            <a:r>
+              <a:rPr lang="en-US" altLang="ja-JP" sz="1176" dirty="0">
+                <a:gradFill>
+                  <a:gsLst>
+                    <a:gs pos="2917">
+                      <a:schemeClr val="tx1"/>
+                    </a:gs>
+                    <a:gs pos="30000">
+                      <a:schemeClr val="tx1"/>
+                    </a:gs>
+                  </a:gsLst>
+                  <a:lin ang="5400000" scaled="0"/>
+                </a:gradFill>
+              </a:rPr>
+              <a:t>Manager</a:t>
+            </a:r>
+          </a:p>
+        </p:txBody>
+      </p:sp>
+      <p:pic>
+        <p:nvPicPr>
+          <p:cNvPr id="11" name="図 10">
+            <a:extLst>
+              <a:ext uri="{FF2B5EF4-FFF2-40B4-BE49-F238E27FC236}">
+                <a16:creationId xmlns:a16="http://schemas.microsoft.com/office/drawing/2014/main" id="{27D42958-C718-4B45-CF0A-4B6E3837EFE0}"/>
+              </a:ext>
+            </a:extLst>
+          </p:cNvPr>
+          <p:cNvPicPr>
+            <a:picLocks noChangeAspect="1"/>
+          </p:cNvPicPr>
+          <p:nvPr/>
+        </p:nvPicPr>
+        <p:blipFill>
+          <a:blip r:embed="rId4"/>
+          <a:stretch>
+            <a:fillRect/>
+          </a:stretch>
+        </p:blipFill>
+        <p:spPr>
+          <a:xfrm>
+            <a:off x="314454" y="3340236"/>
+            <a:ext cx="1739404" cy="1739404"/>
+          </a:xfrm>
+          <a:prstGeom prst="rect">
+            <a:avLst/>
+          </a:prstGeom>
+        </p:spPr>
+      </p:pic>
+      <p:cxnSp>
+        <p:nvCxnSpPr>
+          <p:cNvPr id="13" name="直線矢印コネクタ 12">
+            <a:extLst>
+              <a:ext uri="{FF2B5EF4-FFF2-40B4-BE49-F238E27FC236}">
+                <a16:creationId xmlns:a16="http://schemas.microsoft.com/office/drawing/2014/main" id="{CCE6EA4B-3BB0-659E-BF77-BD67EB52E8FD}"/>
+              </a:ext>
+            </a:extLst>
+          </p:cNvPr>
+          <p:cNvCxnSpPr/>
+          <p:nvPr/>
+        </p:nvCxnSpPr>
+        <p:spPr>
+          <a:xfrm>
+            <a:off x="2139683" y="4239217"/>
+            <a:ext cx="2965499" cy="1209"/>
+          </a:xfrm>
+          <a:prstGeom prst="straightConnector1">
+            <a:avLst/>
+          </a:prstGeom>
+          <a:ln>
+            <a:solidFill>
+              <a:srgbClr val="2485CE"/>
+            </a:solidFill>
+            <a:headEnd type="none" w="med" len="med"/>
+            <a:tailEnd type="arrow" w="med" len="med"/>
+          </a:ln>
+        </p:spPr>
+        <p:style>
+          <a:lnRef idx="1">
+            <a:schemeClr val="accent1"/>
+          </a:lnRef>
+          <a:fillRef idx="0">
+            <a:schemeClr val="accent1"/>
+          </a:fillRef>
+          <a:effectRef idx="0">
+            <a:schemeClr val="accent1"/>
+          </a:effectRef>
+          <a:fontRef idx="minor">
+            <a:schemeClr val="tx1"/>
+          </a:fontRef>
+        </p:style>
+      </p:cxnSp>
+      <p:pic>
+        <p:nvPicPr>
+          <p:cNvPr id="16" name="グラフィックス 15">
+            <a:extLst>
+              <a:ext uri="{FF2B5EF4-FFF2-40B4-BE49-F238E27FC236}">
+                <a16:creationId xmlns:a16="http://schemas.microsoft.com/office/drawing/2014/main" id="{0412F166-F026-CF15-D914-AE74EE31EC80}"/>
+              </a:ext>
+            </a:extLst>
+          </p:cNvPr>
+          <p:cNvPicPr>
+            <a:picLocks noChangeAspect="1"/>
+          </p:cNvPicPr>
+          <p:nvPr/>
+        </p:nvPicPr>
+        <p:blipFill>
+          <a:blip r:embed="rId5">
+            <a:extLst>
+              <a:ext uri="{96DAC541-7B7A-43D3-8B79-37D633B846F1}">
+                <asvg:svgBlip xmlns:asvg="http://schemas.microsoft.com/office/drawing/2016/SVG/main" r:embed="rId6"/>
+              </a:ext>
+            </a:extLst>
+          </a:blip>
+          <a:stretch>
+            <a:fillRect/>
+          </a:stretch>
+        </p:blipFill>
+        <p:spPr>
+          <a:xfrm>
+            <a:off x="8635514" y="2039171"/>
+            <a:ext cx="702115" cy="702115"/>
+          </a:xfrm>
+          <a:prstGeom prst="rect">
+            <a:avLst/>
+          </a:prstGeom>
+        </p:spPr>
+      </p:pic>
+      <p:cxnSp>
+        <p:nvCxnSpPr>
+          <p:cNvPr id="17" name="直線矢印コネクタ 16">
+            <a:extLst>
+              <a:ext uri="{FF2B5EF4-FFF2-40B4-BE49-F238E27FC236}">
+                <a16:creationId xmlns:a16="http://schemas.microsoft.com/office/drawing/2014/main" id="{9821EB96-CC4D-7181-265B-38DC9D95411F}"/>
+              </a:ext>
+            </a:extLst>
+          </p:cNvPr>
+          <p:cNvCxnSpPr>
+            <a:cxnSpLocks/>
+          </p:cNvCxnSpPr>
+          <p:nvPr/>
+        </p:nvCxnSpPr>
+        <p:spPr>
+          <a:xfrm flipV="1">
+            <a:off x="8965947" y="2765248"/>
+            <a:ext cx="0" cy="1149976"/>
+          </a:xfrm>
+          <a:prstGeom prst="straightConnector1">
+            <a:avLst/>
+          </a:prstGeom>
+          <a:ln>
+            <a:solidFill>
+              <a:srgbClr val="2485CE"/>
+            </a:solidFill>
+            <a:prstDash val="dash"/>
+            <a:headEnd type="none" w="med" len="med"/>
+            <a:tailEnd type="arrow" w="med" len="med"/>
+          </a:ln>
+        </p:spPr>
+        <p:style>
+          <a:lnRef idx="1">
+            <a:schemeClr val="accent1"/>
+          </a:lnRef>
+          <a:fillRef idx="0">
+            <a:schemeClr val="accent1"/>
+          </a:fillRef>
+          <a:effectRef idx="0">
+            <a:schemeClr val="accent1"/>
+          </a:effectRef>
+          <a:fontRef idx="minor">
+            <a:schemeClr val="tx1"/>
+          </a:fontRef>
+        </p:style>
+      </p:cxnSp>
+      <p:sp>
+        <p:nvSpPr>
+          <p:cNvPr id="20" name="テキスト ボックス 19">
+            <a:extLst>
+              <a:ext uri="{FF2B5EF4-FFF2-40B4-BE49-F238E27FC236}">
+                <a16:creationId xmlns:a16="http://schemas.microsoft.com/office/drawing/2014/main" id="{452C5FE6-B223-1499-6DB8-F7002E3EF365}"/>
+              </a:ext>
+            </a:extLst>
+          </p:cNvPr>
+          <p:cNvSpPr txBox="1"/>
+          <p:nvPr/>
+        </p:nvSpPr>
+        <p:spPr>
+          <a:xfrm>
+            <a:off x="2371767" y="4166375"/>
+            <a:ext cx="2489067" cy="455167"/>
+          </a:xfrm>
+          <a:prstGeom prst="rect">
+            <a:avLst/>
+          </a:prstGeom>
+          <a:noFill/>
+        </p:spPr>
+        <p:txBody>
+          <a:bodyPr wrap="square" lIns="179285" tIns="143428" rIns="179285" bIns="143428" rtlCol="0">
+            <a:spAutoFit/>
+          </a:bodyPr>
+          <a:lstStyle/>
+          <a:p>
+            <a:pPr algn="ctr">
+              <a:lnSpc>
+                <a:spcPct val="90000"/>
+              </a:lnSpc>
+              <a:spcAft>
+                <a:spcPts val="588"/>
+              </a:spcAft>
+            </a:pPr>
+            <a:r>
+              <a:rPr lang="en-US" altLang="ja-JP" sz="1176" dirty="0">
+                <a:gradFill>
+                  <a:gsLst>
+                    <a:gs pos="2917">
+                      <a:schemeClr val="tx1"/>
+                    </a:gs>
+                    <a:gs pos="30000">
+                      <a:schemeClr val="tx1"/>
+                    </a:gs>
+                  </a:gsLst>
+                  <a:lin ang="5400000" scaled="0"/>
+                </a:gradFill>
+              </a:rPr>
+              <a:t>https://portal.azure.com</a:t>
+            </a:r>
+            <a:endParaRPr lang="ja-JP" altLang="en-US" sz="1176" dirty="0">
+              <a:gradFill>
+                <a:gsLst>
+                  <a:gs pos="2917">
+                    <a:schemeClr val="tx1"/>
+                  </a:gs>
+                  <a:gs pos="30000">
+                    <a:schemeClr val="tx1"/>
+                  </a:gs>
+                </a:gsLst>
+                <a:lin ang="5400000" scaled="0"/>
+              </a:gradFill>
+            </a:endParaRPr>
+          </a:p>
+        </p:txBody>
+      </p:sp>
+      <p:cxnSp>
+        <p:nvCxnSpPr>
+          <p:cNvPr id="24" name="直線矢印コネクタ 23">
+            <a:extLst>
+              <a:ext uri="{FF2B5EF4-FFF2-40B4-BE49-F238E27FC236}">
+                <a16:creationId xmlns:a16="http://schemas.microsoft.com/office/drawing/2014/main" id="{1FF3A921-3075-9BD5-7E00-A40424CD7010}"/>
+              </a:ext>
+            </a:extLst>
+          </p:cNvPr>
+          <p:cNvCxnSpPr>
+            <a:cxnSpLocks/>
+          </p:cNvCxnSpPr>
+          <p:nvPr/>
+        </p:nvCxnSpPr>
+        <p:spPr>
+          <a:xfrm flipV="1">
+            <a:off x="1862262" y="2545382"/>
+            <a:ext cx="4366417" cy="1457984"/>
+          </a:xfrm>
+          <a:prstGeom prst="straightConnector1">
+            <a:avLst/>
+          </a:prstGeom>
+          <a:ln w="28575">
+            <a:solidFill>
+              <a:srgbClr val="FF0000"/>
+            </a:solidFill>
+            <a:headEnd type="none" w="med" len="med"/>
+            <a:tailEnd type="arrow" w="med" len="med"/>
+          </a:ln>
+        </p:spPr>
+        <p:style>
+          <a:lnRef idx="1">
+            <a:schemeClr val="accent1"/>
+          </a:lnRef>
+          <a:fillRef idx="0">
+            <a:schemeClr val="accent1"/>
+          </a:fillRef>
+          <a:effectRef idx="0">
+            <a:schemeClr val="accent1"/>
+          </a:effectRef>
+          <a:fontRef idx="minor">
+            <a:schemeClr val="tx1"/>
+          </a:fontRef>
+        </p:style>
+      </p:cxnSp>
+      <p:sp>
+        <p:nvSpPr>
+          <p:cNvPr id="26" name="テキスト ボックス 25">
+            <a:extLst>
+              <a:ext uri="{FF2B5EF4-FFF2-40B4-BE49-F238E27FC236}">
+                <a16:creationId xmlns:a16="http://schemas.microsoft.com/office/drawing/2014/main" id="{0DB088DB-C0F9-6DC7-7F8B-23C782A45724}"/>
+              </a:ext>
+            </a:extLst>
+          </p:cNvPr>
+          <p:cNvSpPr txBox="1"/>
+          <p:nvPr/>
+        </p:nvSpPr>
+        <p:spPr>
+          <a:xfrm rot="20376877">
+            <a:off x="2064692" y="2731230"/>
+            <a:ext cx="3214176" cy="693531"/>
+          </a:xfrm>
+          <a:prstGeom prst="rect">
+            <a:avLst/>
+          </a:prstGeom>
+          <a:noFill/>
+        </p:spPr>
+        <p:txBody>
+          <a:bodyPr wrap="square" lIns="179285" tIns="143428" rIns="179285" bIns="143428" rtlCol="0">
+            <a:spAutoFit/>
+          </a:bodyPr>
+          <a:lstStyle/>
+          <a:p>
+            <a:pPr>
+              <a:lnSpc>
+                <a:spcPct val="90000"/>
+              </a:lnSpc>
+              <a:spcAft>
+                <a:spcPts val="588"/>
+              </a:spcAft>
+            </a:pPr>
+            <a:r>
+              <a:rPr lang="ja-JP" altLang="en-US" sz="1176" dirty="0">
+                <a:gradFill>
+                  <a:gsLst>
+                    <a:gs pos="2917">
+                      <a:schemeClr val="tx1"/>
+                    </a:gs>
+                    <a:gs pos="30000">
+                      <a:schemeClr val="tx1"/>
+                    </a:gs>
+                  </a:gsLst>
+                  <a:lin ang="5400000" scaled="0"/>
+                </a:gradFill>
+              </a:rPr>
+              <a:t>アプリの配置</a:t>
+            </a:r>
+            <a:endParaRPr lang="en-US" altLang="ja-JP" sz="1176" dirty="0">
+              <a:gradFill>
+                <a:gsLst>
+                  <a:gs pos="2917">
+                    <a:schemeClr val="tx1"/>
+                  </a:gs>
+                  <a:gs pos="30000">
+                    <a:schemeClr val="tx1"/>
+                  </a:gs>
+                </a:gsLst>
+                <a:lin ang="5400000" scaled="0"/>
+              </a:gradFill>
+            </a:endParaRPr>
+          </a:p>
+          <a:p>
+            <a:pPr>
+              <a:lnSpc>
+                <a:spcPct val="90000"/>
+              </a:lnSpc>
+              <a:spcAft>
+                <a:spcPts val="588"/>
+              </a:spcAft>
+            </a:pPr>
+            <a:r>
+              <a:rPr lang="en-US" altLang="ja-JP" sz="1176" dirty="0">
+                <a:gradFill>
+                  <a:gsLst>
+                    <a:gs pos="2917">
+                      <a:schemeClr val="tx1"/>
+                    </a:gs>
+                    <a:gs pos="30000">
+                      <a:schemeClr val="tx1"/>
+                    </a:gs>
+                  </a:gsLst>
+                  <a:lin ang="5400000" scaled="0"/>
+                </a:gradFill>
+              </a:rPr>
+              <a:t>https://hoge.</a:t>
+            </a:r>
+            <a:r>
+              <a:rPr lang="en-US" altLang="ja-JP" sz="1176" b="1" dirty="0">
+                <a:solidFill>
+                  <a:srgbClr val="FF0000"/>
+                </a:solidFill>
+              </a:rPr>
+              <a:t>scm</a:t>
+            </a:r>
+            <a:r>
+              <a:rPr lang="en-US" altLang="ja-JP" sz="1176" dirty="0">
+                <a:gradFill>
+                  <a:gsLst>
+                    <a:gs pos="2917">
+                      <a:schemeClr val="tx1"/>
+                    </a:gs>
+                    <a:gs pos="30000">
+                      <a:schemeClr val="tx1"/>
+                    </a:gs>
+                  </a:gsLst>
+                  <a:lin ang="5400000" scaled="0"/>
+                </a:gradFill>
+              </a:rPr>
+              <a:t>.azurewebsites.net</a:t>
+            </a:r>
+            <a:endParaRPr lang="ja-JP" altLang="en-US" sz="1176" dirty="0">
+              <a:gradFill>
+                <a:gsLst>
+                  <a:gs pos="2917">
+                    <a:schemeClr val="tx1"/>
+                  </a:gs>
+                  <a:gs pos="30000">
+                    <a:schemeClr val="tx1"/>
+                  </a:gs>
+                </a:gsLst>
+                <a:lin ang="5400000" scaled="0"/>
+              </a:gradFill>
+            </a:endParaRPr>
+          </a:p>
+        </p:txBody>
+      </p:sp>
+      <p:cxnSp>
+        <p:nvCxnSpPr>
+          <p:cNvPr id="28" name="直線矢印コネクタ 27">
+            <a:extLst>
+              <a:ext uri="{FF2B5EF4-FFF2-40B4-BE49-F238E27FC236}">
+                <a16:creationId xmlns:a16="http://schemas.microsoft.com/office/drawing/2014/main" id="{23064077-0F64-AA23-7581-5231E2CC653E}"/>
+              </a:ext>
+            </a:extLst>
+          </p:cNvPr>
+          <p:cNvCxnSpPr>
+            <a:cxnSpLocks/>
+          </p:cNvCxnSpPr>
+          <p:nvPr/>
+        </p:nvCxnSpPr>
+        <p:spPr>
+          <a:xfrm>
+            <a:off x="1842808" y="965107"/>
+            <a:ext cx="4345939" cy="1344424"/>
+          </a:xfrm>
+          <a:prstGeom prst="straightConnector1">
+            <a:avLst/>
+          </a:prstGeom>
+          <a:ln>
+            <a:headEnd type="none" w="med" len="med"/>
+            <a:tailEnd type="arrow" w="med" len="med"/>
+          </a:ln>
+        </p:spPr>
+        <p:style>
+          <a:lnRef idx="3">
+            <a:schemeClr val="accent6"/>
+          </a:lnRef>
+          <a:fillRef idx="0">
+            <a:schemeClr val="accent6"/>
+          </a:fillRef>
+          <a:effectRef idx="2">
+            <a:schemeClr val="accent6"/>
+          </a:effectRef>
+          <a:fontRef idx="minor">
+            <a:schemeClr val="tx1"/>
+          </a:fontRef>
+        </p:style>
+      </p:cxnSp>
+      <p:sp>
+        <p:nvSpPr>
+          <p:cNvPr id="29" name="テキスト ボックス 28">
+            <a:extLst>
+              <a:ext uri="{FF2B5EF4-FFF2-40B4-BE49-F238E27FC236}">
+                <a16:creationId xmlns:a16="http://schemas.microsoft.com/office/drawing/2014/main" id="{3819BD37-AA03-04AE-8F69-C8C6CE53A2D6}"/>
+              </a:ext>
+            </a:extLst>
+          </p:cNvPr>
+          <p:cNvSpPr txBox="1"/>
+          <p:nvPr/>
+        </p:nvSpPr>
+        <p:spPr>
+          <a:xfrm rot="1055131">
+            <a:off x="2394904" y="1063765"/>
+            <a:ext cx="3468229" cy="694127"/>
+          </a:xfrm>
+          <a:prstGeom prst="rect">
+            <a:avLst/>
+          </a:prstGeom>
+          <a:noFill/>
+        </p:spPr>
+        <p:txBody>
+          <a:bodyPr wrap="square" lIns="179285" tIns="143428" rIns="179285" bIns="143428" rtlCol="0">
+            <a:spAutoFit/>
+          </a:bodyPr>
+          <a:lstStyle/>
+          <a:p>
+            <a:pPr>
+              <a:lnSpc>
+                <a:spcPct val="90000"/>
+              </a:lnSpc>
+              <a:spcAft>
+                <a:spcPts val="588"/>
+              </a:spcAft>
+            </a:pPr>
+            <a:r>
+              <a:rPr lang="ja-JP" altLang="en-US" sz="1176" dirty="0">
+                <a:gradFill>
+                  <a:gsLst>
+                    <a:gs pos="2917">
+                      <a:schemeClr val="tx1"/>
+                    </a:gs>
+                    <a:gs pos="30000">
+                      <a:schemeClr val="tx1"/>
+                    </a:gs>
+                  </a:gsLst>
+                  <a:lin ang="5400000" scaled="0"/>
+                </a:gradFill>
+              </a:rPr>
+              <a:t>アプリの利用</a:t>
+            </a:r>
+            <a:endParaRPr lang="en-US" altLang="ja-JP" sz="1176" dirty="0">
+              <a:gradFill>
+                <a:gsLst>
+                  <a:gs pos="2917">
+                    <a:schemeClr val="tx1"/>
+                  </a:gs>
+                  <a:gs pos="30000">
+                    <a:schemeClr val="tx1"/>
+                  </a:gs>
+                </a:gsLst>
+                <a:lin ang="5400000" scaled="0"/>
+              </a:gradFill>
+            </a:endParaRPr>
+          </a:p>
+          <a:p>
+            <a:pPr>
+              <a:lnSpc>
+                <a:spcPct val="90000"/>
+              </a:lnSpc>
+              <a:spcAft>
+                <a:spcPts val="588"/>
+              </a:spcAft>
+            </a:pPr>
+            <a:r>
+              <a:rPr lang="en-US" altLang="ja-JP" sz="1176" dirty="0">
+                <a:gradFill>
+                  <a:gsLst>
+                    <a:gs pos="2917">
+                      <a:schemeClr val="tx1"/>
+                    </a:gs>
+                    <a:gs pos="30000">
+                      <a:schemeClr val="tx1"/>
+                    </a:gs>
+                  </a:gsLst>
+                  <a:lin ang="5400000" scaled="0"/>
+                </a:gradFill>
+              </a:rPr>
+              <a:t>https://hoge.azurewebsites.net</a:t>
+            </a:r>
+            <a:endParaRPr lang="ja-JP" altLang="en-US" sz="1176" dirty="0">
+              <a:gradFill>
+                <a:gsLst>
+                  <a:gs pos="2917">
+                    <a:schemeClr val="tx1"/>
+                  </a:gs>
+                  <a:gs pos="30000">
+                    <a:schemeClr val="tx1"/>
+                  </a:gs>
+                </a:gsLst>
+                <a:lin ang="5400000" scaled="0"/>
+              </a:gradFill>
+            </a:endParaRPr>
+          </a:p>
+        </p:txBody>
+      </p:sp>
+      <p:sp>
+        <p:nvSpPr>
+          <p:cNvPr id="2" name="テキスト ボックス 1">
+            <a:extLst>
+              <a:ext uri="{FF2B5EF4-FFF2-40B4-BE49-F238E27FC236}">
+                <a16:creationId xmlns:a16="http://schemas.microsoft.com/office/drawing/2014/main" id="{F9991A02-D5CE-1CFE-A82B-F9CDFF60325B}"/>
+              </a:ext>
+            </a:extLst>
+          </p:cNvPr>
+          <p:cNvSpPr txBox="1"/>
+          <p:nvPr/>
+        </p:nvSpPr>
+        <p:spPr>
+          <a:xfrm>
+            <a:off x="312595" y="4924897"/>
+            <a:ext cx="1545514" cy="455167"/>
+          </a:xfrm>
+          <a:prstGeom prst="rect">
+            <a:avLst/>
+          </a:prstGeom>
+          <a:noFill/>
+        </p:spPr>
+        <p:txBody>
+          <a:bodyPr wrap="square" lIns="179285" tIns="143428" rIns="179285" bIns="143428" rtlCol="0">
+            <a:spAutoFit/>
+          </a:bodyPr>
+          <a:lstStyle/>
+          <a:p>
+            <a:pPr algn="ctr">
+              <a:lnSpc>
+                <a:spcPct val="90000"/>
+              </a:lnSpc>
+              <a:spcAft>
+                <a:spcPts val="588"/>
+              </a:spcAft>
+            </a:pPr>
+            <a:r>
+              <a:rPr lang="ja-JP" altLang="en-US" sz="1176" dirty="0">
+                <a:gradFill>
+                  <a:gsLst>
+                    <a:gs pos="2917">
+                      <a:schemeClr val="tx1"/>
+                    </a:gs>
+                    <a:gs pos="30000">
+                      <a:schemeClr val="tx1"/>
+                    </a:gs>
+                  </a:gsLst>
+                  <a:lin ang="5400000" scaled="0"/>
+                </a:gradFill>
+              </a:rPr>
+              <a:t>保守・運用</a:t>
+            </a:r>
+          </a:p>
+        </p:txBody>
+      </p:sp>
+      <p:pic>
+        <p:nvPicPr>
+          <p:cNvPr id="18" name="図 17" descr="部屋, テーブル が含まれている画像&#10;&#10;自動的に生成された説明">
+            <a:extLst>
+              <a:ext uri="{FF2B5EF4-FFF2-40B4-BE49-F238E27FC236}">
+                <a16:creationId xmlns:a16="http://schemas.microsoft.com/office/drawing/2014/main" id="{4651EFE3-7555-01E3-1935-5720A3FFE295}"/>
+              </a:ext>
+            </a:extLst>
+          </p:cNvPr>
+          <p:cNvPicPr>
+            <a:picLocks noChangeAspect="1"/>
+          </p:cNvPicPr>
+          <p:nvPr/>
+        </p:nvPicPr>
+        <p:blipFill>
+          <a:blip r:embed="rId7"/>
+          <a:stretch>
+            <a:fillRect/>
+          </a:stretch>
+        </p:blipFill>
+        <p:spPr>
+          <a:xfrm>
+            <a:off x="464120" y="296190"/>
+            <a:ext cx="1154271" cy="1154271"/>
+          </a:xfrm>
+          <a:prstGeom prst="rect">
+            <a:avLst/>
+          </a:prstGeom>
+        </p:spPr>
+      </p:pic>
+      <p:sp>
+        <p:nvSpPr>
+          <p:cNvPr id="3" name="楕円 2">
+            <a:extLst>
+              <a:ext uri="{FF2B5EF4-FFF2-40B4-BE49-F238E27FC236}">
+                <a16:creationId xmlns:a16="http://schemas.microsoft.com/office/drawing/2014/main" id="{3B2C5D66-8328-1B54-D6BA-32CCD9FD319C}"/>
+              </a:ext>
+            </a:extLst>
+          </p:cNvPr>
+          <p:cNvSpPr/>
+          <p:nvPr/>
+        </p:nvSpPr>
+        <p:spPr bwMode="auto">
+          <a:xfrm>
+            <a:off x="6286662" y="1947588"/>
+            <a:ext cx="486469" cy="1034486"/>
+          </a:xfrm>
+          <a:prstGeom prst="ellipse">
+            <a:avLst/>
+          </a:prstGeom>
+          <a:ln>
+            <a:headEnd type="none" w="med" len="med"/>
+            <a:tailEnd type="none" w="med" len="med"/>
+          </a:ln>
+        </p:spPr>
+        <p:style>
+          <a:lnRef idx="1">
+            <a:schemeClr val="accent6"/>
+          </a:lnRef>
+          <a:fillRef idx="2">
+            <a:schemeClr val="accent6"/>
+          </a:fillRef>
+          <a:effectRef idx="1">
+            <a:schemeClr val="accent6"/>
+          </a:effectRef>
+          <a:fontRef idx="minor">
+            <a:schemeClr val="dk1"/>
+          </a:fontRef>
+        </p:style>
+        <p:txBody>
+          <a:bodyPr rot="0" spcFirstLastPara="0" vertOverflow="overflow" horzOverflow="overflow" vert="horz" wrap="square" lIns="179285" tIns="143428" rIns="179285" bIns="143428" numCol="1" spcCol="0" rtlCol="0" fromWordArt="0" anchor="ctr" anchorCtr="0" forceAA="0" compatLnSpc="1">
+            <a:prstTxWarp prst="textNoShape">
+              <a:avLst/>
+            </a:prstTxWarp>
+            <a:noAutofit/>
+          </a:bodyPr>
+          <a:lstStyle/>
+          <a:p>
+            <a:pPr algn="ctr" defTabSz="914102" fontAlgn="base">
+              <a:lnSpc>
+                <a:spcPct val="90000"/>
+              </a:lnSpc>
+              <a:spcBef>
+                <a:spcPct val="0"/>
+              </a:spcBef>
+              <a:spcAft>
+                <a:spcPct val="0"/>
+              </a:spcAft>
+            </a:pPr>
+            <a:r>
+              <a:rPr lang="en-US" altLang="ja-JP" sz="1765" dirty="0">
+                <a:solidFill>
+                  <a:schemeClr val="tx2"/>
+                </a:solidFill>
+                <a:cs typeface="Segoe UI" pitchFamily="34" charset="0"/>
+              </a:rPr>
+              <a:t>VPN</a:t>
+            </a:r>
+            <a:endParaRPr lang="ja-JP" altLang="en-US" sz="1765" dirty="0">
+              <a:solidFill>
+                <a:schemeClr val="tx2"/>
+              </a:solidFill>
+              <a:cs typeface="Segoe UI" pitchFamily="34" charset="0"/>
+            </a:endParaRPr>
+          </a:p>
+        </p:txBody>
+      </p:sp>
+      <p:pic>
+        <p:nvPicPr>
+          <p:cNvPr id="25" name="グラフィックス 24">
+            <a:extLst>
+              <a:ext uri="{FF2B5EF4-FFF2-40B4-BE49-F238E27FC236}">
+                <a16:creationId xmlns:a16="http://schemas.microsoft.com/office/drawing/2014/main" id="{27C36988-9A83-9D23-2E38-138C56060178}"/>
+              </a:ext>
+            </a:extLst>
+          </p:cNvPr>
+          <p:cNvPicPr>
+            <a:picLocks noChangeAspect="1"/>
+          </p:cNvPicPr>
+          <p:nvPr/>
+        </p:nvPicPr>
+        <p:blipFill>
+          <a:blip r:embed="rId8">
+            <a:extLst>
+              <a:ext uri="{96DAC541-7B7A-43D3-8B79-37D633B846F1}">
+                <asvg:svgBlip xmlns:asvg="http://schemas.microsoft.com/office/drawing/2016/SVG/main" r:embed="rId9"/>
+              </a:ext>
+            </a:extLst>
+          </a:blip>
+          <a:stretch>
+            <a:fillRect/>
+          </a:stretch>
+        </p:blipFill>
+        <p:spPr>
+          <a:xfrm>
+            <a:off x="5274903" y="5598512"/>
+            <a:ext cx="772326" cy="772326"/>
+          </a:xfrm>
+          <a:prstGeom prst="rect">
+            <a:avLst/>
+          </a:prstGeom>
+        </p:spPr>
+      </p:pic>
+      <p:sp>
+        <p:nvSpPr>
+          <p:cNvPr id="27" name="テキスト ボックス 26">
+            <a:extLst>
+              <a:ext uri="{FF2B5EF4-FFF2-40B4-BE49-F238E27FC236}">
+                <a16:creationId xmlns:a16="http://schemas.microsoft.com/office/drawing/2014/main" id="{4DE1B8BB-8E5B-8D79-4AE3-9E5ED3B23C6A}"/>
+              </a:ext>
+            </a:extLst>
+          </p:cNvPr>
+          <p:cNvSpPr txBox="1"/>
+          <p:nvPr/>
+        </p:nvSpPr>
+        <p:spPr>
+          <a:xfrm>
+            <a:off x="4441512" y="6337567"/>
+            <a:ext cx="2439110" cy="455167"/>
+          </a:xfrm>
+          <a:prstGeom prst="rect">
+            <a:avLst/>
+          </a:prstGeom>
+          <a:noFill/>
+        </p:spPr>
+        <p:txBody>
+          <a:bodyPr wrap="square" lIns="179285" tIns="143428" rIns="179285" bIns="143428" rtlCol="0">
+            <a:spAutoFit/>
+          </a:bodyPr>
+          <a:lstStyle/>
+          <a:p>
+            <a:pPr algn="ctr">
+              <a:lnSpc>
+                <a:spcPct val="90000"/>
+              </a:lnSpc>
+              <a:spcAft>
+                <a:spcPts val="588"/>
+              </a:spcAft>
+            </a:pPr>
+            <a:r>
+              <a:rPr lang="en-US" altLang="ja-JP" sz="1176" dirty="0">
+                <a:gradFill>
+                  <a:gsLst>
+                    <a:gs pos="2917">
+                      <a:schemeClr val="tx1"/>
+                    </a:gs>
+                    <a:gs pos="30000">
+                      <a:schemeClr val="tx1"/>
+                    </a:gs>
+                  </a:gsLst>
+                  <a:lin ang="5400000" scaled="0"/>
+                </a:gradFill>
+              </a:rPr>
+              <a:t>Azure Active</a:t>
+            </a:r>
+            <a:r>
+              <a:rPr lang="ja-JP" altLang="en-US" sz="1176" dirty="0">
+                <a:gradFill>
+                  <a:gsLst>
+                    <a:gs pos="2917">
+                      <a:schemeClr val="tx1"/>
+                    </a:gs>
+                    <a:gs pos="30000">
+                      <a:schemeClr val="tx1"/>
+                    </a:gs>
+                  </a:gsLst>
+                  <a:lin ang="5400000" scaled="0"/>
+                </a:gradFill>
+              </a:rPr>
+              <a:t> </a:t>
+            </a:r>
+            <a:r>
+              <a:rPr lang="en-US" altLang="ja-JP" sz="1176" dirty="0">
+                <a:gradFill>
+                  <a:gsLst>
+                    <a:gs pos="2917">
+                      <a:schemeClr val="tx1"/>
+                    </a:gs>
+                    <a:gs pos="30000">
+                      <a:schemeClr val="tx1"/>
+                    </a:gs>
+                  </a:gsLst>
+                  <a:lin ang="5400000" scaled="0"/>
+                </a:gradFill>
+              </a:rPr>
+              <a:t>Directory</a:t>
+            </a:r>
+            <a:endParaRPr lang="ja-JP" altLang="en-US" sz="1176" dirty="0">
+              <a:gradFill>
+                <a:gsLst>
+                  <a:gs pos="2917">
+                    <a:schemeClr val="tx1"/>
+                  </a:gs>
+                  <a:gs pos="30000">
+                    <a:schemeClr val="tx1"/>
+                  </a:gs>
+                </a:gsLst>
+                <a:lin ang="5400000" scaled="0"/>
+              </a:gradFill>
+            </a:endParaRPr>
+          </a:p>
+        </p:txBody>
+      </p:sp>
+      <p:cxnSp>
+        <p:nvCxnSpPr>
+          <p:cNvPr id="30" name="直線矢印コネクタ 29">
+            <a:extLst>
+              <a:ext uri="{FF2B5EF4-FFF2-40B4-BE49-F238E27FC236}">
+                <a16:creationId xmlns:a16="http://schemas.microsoft.com/office/drawing/2014/main" id="{84761688-1CF5-5A0B-B406-554EEA8E5511}"/>
+              </a:ext>
+            </a:extLst>
+          </p:cNvPr>
+          <p:cNvCxnSpPr>
+            <a:cxnSpLocks/>
+          </p:cNvCxnSpPr>
+          <p:nvPr/>
+        </p:nvCxnSpPr>
+        <p:spPr>
+          <a:xfrm>
+            <a:off x="2140987" y="4561269"/>
+            <a:ext cx="2964195" cy="1146941"/>
+          </a:xfrm>
+          <a:prstGeom prst="straightConnector1">
+            <a:avLst/>
+          </a:prstGeom>
+          <a:ln>
+            <a:solidFill>
+              <a:srgbClr val="2485CE"/>
+            </a:solidFill>
+            <a:headEnd type="none" w="med" len="med"/>
+            <a:tailEnd type="arrow" w="med" len="med"/>
+          </a:ln>
+        </p:spPr>
+        <p:style>
+          <a:lnRef idx="1">
+            <a:schemeClr val="accent1"/>
+          </a:lnRef>
+          <a:fillRef idx="0">
+            <a:schemeClr val="accent1"/>
+          </a:fillRef>
+          <a:effectRef idx="0">
+            <a:schemeClr val="accent1"/>
+          </a:effectRef>
+          <a:fontRef idx="minor">
+            <a:schemeClr val="tx1"/>
+          </a:fontRef>
+        </p:style>
+      </p:cxnSp>
+      <p:sp>
+        <p:nvSpPr>
+          <p:cNvPr id="32" name="テキスト ボックス 31">
+            <a:extLst>
+              <a:ext uri="{FF2B5EF4-FFF2-40B4-BE49-F238E27FC236}">
+                <a16:creationId xmlns:a16="http://schemas.microsoft.com/office/drawing/2014/main" id="{85BC0E83-58BB-8861-F329-0A4B5503884A}"/>
+              </a:ext>
+            </a:extLst>
+          </p:cNvPr>
+          <p:cNvSpPr txBox="1"/>
+          <p:nvPr/>
+        </p:nvSpPr>
+        <p:spPr>
+          <a:xfrm>
+            <a:off x="2310851" y="5090110"/>
+            <a:ext cx="2489067" cy="618100"/>
+          </a:xfrm>
+          <a:prstGeom prst="rect">
+            <a:avLst/>
+          </a:prstGeom>
+          <a:noFill/>
+        </p:spPr>
+        <p:txBody>
+          <a:bodyPr wrap="square" lIns="179285" tIns="143428" rIns="179285" bIns="143428" rtlCol="0">
+            <a:spAutoFit/>
+          </a:bodyPr>
+          <a:lstStyle/>
+          <a:p>
+            <a:pPr algn="ctr">
+              <a:lnSpc>
+                <a:spcPct val="90000"/>
+              </a:lnSpc>
+              <a:spcAft>
+                <a:spcPts val="588"/>
+              </a:spcAft>
+            </a:pPr>
+            <a:r>
+              <a:rPr lang="ja-JP" altLang="en-US" sz="1176" dirty="0">
+                <a:gradFill>
+                  <a:gsLst>
+                    <a:gs pos="2917">
+                      <a:schemeClr val="tx1"/>
+                    </a:gs>
+                    <a:gs pos="30000">
+                      <a:schemeClr val="tx1"/>
+                    </a:gs>
+                  </a:gsLst>
+                  <a:lin ang="5400000" scaled="0"/>
+                </a:gradFill>
+              </a:rPr>
+              <a:t>ログイン</a:t>
+            </a:r>
+            <a:br>
+              <a:rPr lang="en-US" altLang="ja-JP" sz="1176" dirty="0">
+                <a:gradFill>
+                  <a:gsLst>
+                    <a:gs pos="2917">
+                      <a:schemeClr val="tx1"/>
+                    </a:gs>
+                    <a:gs pos="30000">
+                      <a:schemeClr val="tx1"/>
+                    </a:gs>
+                  </a:gsLst>
+                  <a:lin ang="5400000" scaled="0"/>
+                </a:gradFill>
+              </a:rPr>
+            </a:br>
+            <a:r>
+              <a:rPr lang="ja-JP" altLang="en-US" sz="1176" dirty="0">
+                <a:gradFill>
+                  <a:gsLst>
+                    <a:gs pos="2917">
+                      <a:schemeClr val="tx1"/>
+                    </a:gs>
+                    <a:gs pos="30000">
+                      <a:schemeClr val="tx1"/>
+                    </a:gs>
+                  </a:gsLst>
+                  <a:lin ang="5400000" scaled="0"/>
+                </a:gradFill>
+              </a:rPr>
+              <a:t>（</a:t>
+            </a:r>
+            <a:r>
+              <a:rPr lang="en-US" altLang="ja-JP" sz="1176" dirty="0">
+                <a:gradFill>
+                  <a:gsLst>
+                    <a:gs pos="2917">
+                      <a:schemeClr val="tx1"/>
+                    </a:gs>
+                    <a:gs pos="30000">
+                      <a:schemeClr val="tx1"/>
+                    </a:gs>
+                  </a:gsLst>
+                  <a:lin ang="5400000" scaled="0"/>
+                </a:gradFill>
+              </a:rPr>
+              <a:t>URL</a:t>
+            </a:r>
+            <a:r>
+              <a:rPr lang="ja-JP" altLang="en-US" sz="1176" dirty="0">
+                <a:gradFill>
+                  <a:gsLst>
+                    <a:gs pos="2917">
+                      <a:schemeClr val="tx1"/>
+                    </a:gs>
+                    <a:gs pos="30000">
+                      <a:schemeClr val="tx1"/>
+                    </a:gs>
+                  </a:gsLst>
+                  <a:lin ang="5400000" scaled="0"/>
+                </a:gradFill>
+              </a:rPr>
+              <a:t>多数のため省略）</a:t>
+            </a:r>
+          </a:p>
+        </p:txBody>
+      </p:sp>
+      <p:sp>
+        <p:nvSpPr>
+          <p:cNvPr id="35" name="テキスト ボックス 34">
+            <a:extLst>
+              <a:ext uri="{FF2B5EF4-FFF2-40B4-BE49-F238E27FC236}">
+                <a16:creationId xmlns:a16="http://schemas.microsoft.com/office/drawing/2014/main" id="{BADF835E-CD95-A58D-0AC2-505A1EDD495B}"/>
+              </a:ext>
+            </a:extLst>
+          </p:cNvPr>
+          <p:cNvSpPr txBox="1"/>
+          <p:nvPr/>
+        </p:nvSpPr>
+        <p:spPr>
+          <a:xfrm>
+            <a:off x="8360746" y="1675028"/>
+            <a:ext cx="1251649" cy="455167"/>
+          </a:xfrm>
+          <a:prstGeom prst="rect">
+            <a:avLst/>
+          </a:prstGeom>
+          <a:noFill/>
+        </p:spPr>
+        <p:txBody>
+          <a:bodyPr wrap="square" lIns="179285" tIns="143428" rIns="179285" bIns="143428" rtlCol="0" anchor="ctr">
+            <a:spAutoFit/>
+          </a:bodyPr>
+          <a:lstStyle/>
+          <a:p>
+            <a:pPr algn="ctr">
+              <a:lnSpc>
+                <a:spcPct val="90000"/>
+              </a:lnSpc>
+              <a:spcAft>
+                <a:spcPts val="588"/>
+              </a:spcAft>
+            </a:pPr>
+            <a:r>
+              <a:rPr lang="en-US" altLang="ja-JP" sz="1176" dirty="0">
+                <a:gradFill>
+                  <a:gsLst>
+                    <a:gs pos="2917">
+                      <a:schemeClr val="tx1"/>
+                    </a:gs>
+                    <a:gs pos="30000">
+                      <a:schemeClr val="tx1"/>
+                    </a:gs>
+                  </a:gsLst>
+                  <a:lin ang="5400000" scaled="0"/>
+                </a:gradFill>
+              </a:rPr>
+              <a:t>App Service</a:t>
+            </a:r>
+            <a:endParaRPr lang="ja-JP" altLang="en-US" sz="1176" dirty="0">
+              <a:gradFill>
+                <a:gsLst>
+                  <a:gs pos="2917">
+                    <a:schemeClr val="tx1"/>
+                  </a:gs>
+                  <a:gs pos="30000">
+                    <a:schemeClr val="tx1"/>
+                  </a:gs>
+                </a:gsLst>
+                <a:lin ang="5400000" scaled="0"/>
+              </a:gradFill>
+            </a:endParaRPr>
+          </a:p>
+        </p:txBody>
+      </p:sp>
+      <p:pic>
+        <p:nvPicPr>
+          <p:cNvPr id="37" name="グラフィックス 36">
+            <a:extLst>
+              <a:ext uri="{FF2B5EF4-FFF2-40B4-BE49-F238E27FC236}">
+                <a16:creationId xmlns:a16="http://schemas.microsoft.com/office/drawing/2014/main" id="{2709B3EA-6D61-BC9A-836B-5806264800F7}"/>
+              </a:ext>
+            </a:extLst>
+          </p:cNvPr>
+          <p:cNvPicPr>
+            <a:picLocks noChangeAspect="1"/>
+          </p:cNvPicPr>
+          <p:nvPr/>
+        </p:nvPicPr>
+        <p:blipFill>
+          <a:blip r:embed="rId10">
+            <a:extLst>
+              <a:ext uri="{96DAC541-7B7A-43D3-8B79-37D633B846F1}">
+                <asvg:svgBlip xmlns:asvg="http://schemas.microsoft.com/office/drawing/2016/SVG/main" r:embed="rId11"/>
+              </a:ext>
+            </a:extLst>
+          </a:blip>
+          <a:stretch>
+            <a:fillRect/>
+          </a:stretch>
+        </p:blipFill>
+        <p:spPr>
+          <a:xfrm>
+            <a:off x="6669470" y="1509019"/>
+            <a:ext cx="435957" cy="435957"/>
+          </a:xfrm>
+          <a:prstGeom prst="rect">
+            <a:avLst/>
+          </a:prstGeom>
+        </p:spPr>
+      </p:pic>
+      <p:sp>
+        <p:nvSpPr>
+          <p:cNvPr id="42" name="テキスト ボックス 41">
+            <a:extLst>
+              <a:ext uri="{FF2B5EF4-FFF2-40B4-BE49-F238E27FC236}">
+                <a16:creationId xmlns:a16="http://schemas.microsoft.com/office/drawing/2014/main" id="{2EB68AAE-7ADC-595B-29DE-1CC82E6AAD16}"/>
+              </a:ext>
+            </a:extLst>
+          </p:cNvPr>
+          <p:cNvSpPr txBox="1"/>
+          <p:nvPr/>
+        </p:nvSpPr>
+        <p:spPr>
+          <a:xfrm>
+            <a:off x="6771714" y="1443640"/>
+            <a:ext cx="1251649" cy="455167"/>
+          </a:xfrm>
+          <a:prstGeom prst="rect">
+            <a:avLst/>
+          </a:prstGeom>
+          <a:noFill/>
+        </p:spPr>
+        <p:txBody>
+          <a:bodyPr wrap="square" lIns="179285" tIns="143428" rIns="179285" bIns="143428" rtlCol="0" anchor="ctr">
+            <a:spAutoFit/>
+          </a:bodyPr>
+          <a:lstStyle/>
+          <a:p>
+            <a:pPr algn="ctr">
+              <a:lnSpc>
+                <a:spcPct val="90000"/>
+              </a:lnSpc>
+              <a:spcAft>
+                <a:spcPts val="588"/>
+              </a:spcAft>
+            </a:pPr>
+            <a:r>
+              <a:rPr lang="en-US" altLang="ja-JP" sz="1176" dirty="0">
+                <a:gradFill>
+                  <a:gsLst>
+                    <a:gs pos="2917">
+                      <a:schemeClr val="tx1"/>
+                    </a:gs>
+                    <a:gs pos="30000">
+                      <a:schemeClr val="tx1"/>
+                    </a:gs>
+                  </a:gsLst>
+                  <a:lin ang="5400000" scaled="0"/>
+                </a:gradFill>
+              </a:rPr>
+              <a:t>VNET</a:t>
+            </a:r>
+            <a:endParaRPr lang="ja-JP" altLang="en-US" sz="1176" dirty="0">
+              <a:gradFill>
+                <a:gsLst>
+                  <a:gs pos="2917">
+                    <a:schemeClr val="tx1"/>
+                  </a:gs>
+                  <a:gs pos="30000">
+                    <a:schemeClr val="tx1"/>
+                  </a:gs>
+                </a:gsLst>
+                <a:lin ang="5400000" scaled="0"/>
+              </a:gradFill>
+            </a:endParaRPr>
+          </a:p>
+        </p:txBody>
+      </p:sp>
+      <p:pic>
+        <p:nvPicPr>
+          <p:cNvPr id="50" name="グラフィックス 49">
+            <a:extLst>
+              <a:ext uri="{FF2B5EF4-FFF2-40B4-BE49-F238E27FC236}">
+                <a16:creationId xmlns:a16="http://schemas.microsoft.com/office/drawing/2014/main" id="{F7AB4C3F-FBE0-3284-435A-02FDC210C5C9}"/>
+              </a:ext>
+            </a:extLst>
+          </p:cNvPr>
+          <p:cNvPicPr>
+            <a:picLocks noChangeAspect="1"/>
+          </p:cNvPicPr>
+          <p:nvPr/>
+        </p:nvPicPr>
+        <p:blipFill>
+          <a:blip r:embed="rId12">
+            <a:extLst>
+              <a:ext uri="{96DAC541-7B7A-43D3-8B79-37D633B846F1}">
+                <asvg:svgBlip xmlns:asvg="http://schemas.microsoft.com/office/drawing/2016/SVG/main" r:embed="rId13"/>
+              </a:ext>
+            </a:extLst>
+          </a:blip>
+          <a:stretch>
+            <a:fillRect/>
+          </a:stretch>
+        </p:blipFill>
+        <p:spPr>
+          <a:xfrm>
+            <a:off x="7362603" y="2097315"/>
+            <a:ext cx="580260" cy="580260"/>
+          </a:xfrm>
+          <a:prstGeom prst="rect">
+            <a:avLst/>
+          </a:prstGeom>
+        </p:spPr>
+      </p:pic>
+      <p:cxnSp>
+        <p:nvCxnSpPr>
+          <p:cNvPr id="52" name="直線コネクタ 51">
+            <a:extLst>
+              <a:ext uri="{FF2B5EF4-FFF2-40B4-BE49-F238E27FC236}">
+                <a16:creationId xmlns:a16="http://schemas.microsoft.com/office/drawing/2014/main" id="{CBF39694-30A4-8E16-848F-191D270BAFCA}"/>
+              </a:ext>
+            </a:extLst>
+          </p:cNvPr>
+          <p:cNvCxnSpPr/>
+          <p:nvPr/>
+        </p:nvCxnSpPr>
+        <p:spPr>
+          <a:xfrm>
+            <a:off x="7950332" y="2383876"/>
+            <a:ext cx="637533" cy="0"/>
+          </a:xfrm>
+          <a:prstGeom prst="line">
+            <a:avLst/>
+          </a:prstGeom>
+          <a:ln w="28575">
+            <a:solidFill>
+              <a:schemeClr val="tx2"/>
+            </a:solidFill>
+            <a:headEnd type="none"/>
+            <a:tailEnd type="none"/>
+          </a:ln>
+        </p:spPr>
+        <p:style>
+          <a:lnRef idx="1">
+            <a:schemeClr val="accent1"/>
+          </a:lnRef>
+          <a:fillRef idx="0">
+            <a:schemeClr val="accent1"/>
+          </a:fillRef>
+          <a:effectRef idx="0">
+            <a:schemeClr val="accent1"/>
+          </a:effectRef>
+          <a:fontRef idx="minor">
+            <a:schemeClr val="tx1"/>
+          </a:fontRef>
+        </p:style>
+      </p:cxnSp>
+      <p:sp>
+        <p:nvSpPr>
+          <p:cNvPr id="53" name="テキスト ボックス 52">
+            <a:extLst>
+              <a:ext uri="{FF2B5EF4-FFF2-40B4-BE49-F238E27FC236}">
+                <a16:creationId xmlns:a16="http://schemas.microsoft.com/office/drawing/2014/main" id="{5C673157-9867-AC55-C898-EACB45ABA8A1}"/>
+              </a:ext>
+            </a:extLst>
+          </p:cNvPr>
+          <p:cNvSpPr txBox="1"/>
+          <p:nvPr/>
+        </p:nvSpPr>
+        <p:spPr>
+          <a:xfrm>
+            <a:off x="7060528" y="2602564"/>
+            <a:ext cx="1251649" cy="618100"/>
+          </a:xfrm>
+          <a:prstGeom prst="rect">
+            <a:avLst/>
+          </a:prstGeom>
+          <a:noFill/>
+        </p:spPr>
+        <p:txBody>
+          <a:bodyPr wrap="square" lIns="179285" tIns="143428" rIns="179285" bIns="143428" rtlCol="0" anchor="ctr">
+            <a:spAutoFit/>
+          </a:bodyPr>
+          <a:lstStyle/>
+          <a:p>
+            <a:pPr algn="ctr">
+              <a:lnSpc>
+                <a:spcPct val="90000"/>
+              </a:lnSpc>
+              <a:spcAft>
+                <a:spcPts val="588"/>
+              </a:spcAft>
+            </a:pPr>
+            <a:r>
+              <a:rPr lang="en-US" altLang="ja-JP" sz="1176" dirty="0">
+                <a:gradFill>
+                  <a:gsLst>
+                    <a:gs pos="2917">
+                      <a:schemeClr val="tx1"/>
+                    </a:gs>
+                    <a:gs pos="30000">
+                      <a:schemeClr val="tx1"/>
+                    </a:gs>
+                  </a:gsLst>
+                  <a:lin ang="5400000" scaled="0"/>
+                </a:gradFill>
+              </a:rPr>
+              <a:t>Private Endpoint</a:t>
+            </a:r>
+            <a:endParaRPr lang="ja-JP" altLang="en-US" sz="1176" dirty="0">
+              <a:gradFill>
+                <a:gsLst>
+                  <a:gs pos="2917">
+                    <a:schemeClr val="tx1"/>
+                  </a:gs>
+                  <a:gs pos="30000">
+                    <a:schemeClr val="tx1"/>
+                  </a:gs>
+                </a:gsLst>
+                <a:lin ang="5400000" scaled="0"/>
+              </a:gradFill>
+            </a:endParaRPr>
+          </a:p>
+        </p:txBody>
+      </p:sp>
+      <p:sp>
+        <p:nvSpPr>
+          <p:cNvPr id="5" name="テキスト ボックス 4">
+            <a:extLst>
+              <a:ext uri="{FF2B5EF4-FFF2-40B4-BE49-F238E27FC236}">
+                <a16:creationId xmlns:a16="http://schemas.microsoft.com/office/drawing/2014/main" id="{E2784A90-98DC-2ECA-C537-2968257FA7EA}"/>
+              </a:ext>
+            </a:extLst>
+          </p:cNvPr>
+          <p:cNvSpPr txBox="1"/>
+          <p:nvPr/>
+        </p:nvSpPr>
+        <p:spPr>
+          <a:xfrm>
+            <a:off x="199379" y="1438916"/>
+            <a:ext cx="1545514" cy="454318"/>
+          </a:xfrm>
+          <a:prstGeom prst="rect">
+            <a:avLst/>
+          </a:prstGeom>
+          <a:noFill/>
+        </p:spPr>
+        <p:txBody>
+          <a:bodyPr wrap="square" lIns="179285" tIns="143428" rIns="179285" bIns="143428" rtlCol="0">
+            <a:spAutoFit/>
+          </a:bodyPr>
+          <a:lstStyle/>
+          <a:p>
+            <a:pPr algn="ctr">
+              <a:lnSpc>
+                <a:spcPct val="90000"/>
+              </a:lnSpc>
+              <a:spcAft>
+                <a:spcPts val="588"/>
+              </a:spcAft>
+            </a:pPr>
+            <a:r>
+              <a:rPr lang="ja-JP" altLang="en-US" sz="1176" dirty="0">
+                <a:gradFill>
+                  <a:gsLst>
+                    <a:gs pos="2917">
+                      <a:schemeClr val="tx1"/>
+                    </a:gs>
+                    <a:gs pos="30000">
+                      <a:schemeClr val="tx1"/>
+                    </a:gs>
+                  </a:gsLst>
+                  <a:lin ang="5400000" scaled="0"/>
+                </a:gradFill>
+              </a:rPr>
+              <a:t>アプリの利用者</a:t>
+            </a:r>
+          </a:p>
+        </p:txBody>
+      </p:sp>
+      <p:sp>
+        <p:nvSpPr>
+          <p:cNvPr id="6" name="テキスト ボックス 5">
+            <a:extLst>
+              <a:ext uri="{FF2B5EF4-FFF2-40B4-BE49-F238E27FC236}">
+                <a16:creationId xmlns:a16="http://schemas.microsoft.com/office/drawing/2014/main" id="{10AD039E-613B-B025-530C-298594277522}"/>
+              </a:ext>
+            </a:extLst>
+          </p:cNvPr>
+          <p:cNvSpPr txBox="1"/>
+          <p:nvPr/>
+        </p:nvSpPr>
+        <p:spPr>
+          <a:xfrm>
+            <a:off x="8711804" y="3437666"/>
+            <a:ext cx="1251649" cy="454318"/>
+          </a:xfrm>
+          <a:prstGeom prst="rect">
+            <a:avLst/>
+          </a:prstGeom>
+          <a:noFill/>
+        </p:spPr>
+        <p:txBody>
+          <a:bodyPr wrap="square" lIns="179285" tIns="143428" rIns="179285" bIns="143428" rtlCol="0" anchor="ctr">
+            <a:spAutoFit/>
+          </a:bodyPr>
+          <a:lstStyle/>
+          <a:p>
+            <a:pPr algn="ctr">
+              <a:lnSpc>
+                <a:spcPct val="90000"/>
+              </a:lnSpc>
+              <a:spcAft>
+                <a:spcPts val="588"/>
+              </a:spcAft>
+            </a:pPr>
+            <a:r>
+              <a:rPr lang="ja-JP" altLang="en-US" sz="1176" dirty="0">
+                <a:gradFill>
+                  <a:gsLst>
+                    <a:gs pos="2917">
+                      <a:schemeClr val="tx1"/>
+                    </a:gs>
+                    <a:gs pos="30000">
+                      <a:schemeClr val="tx1"/>
+                    </a:gs>
+                  </a:gsLst>
+                  <a:lin ang="5400000" scaled="0"/>
+                </a:gradFill>
+              </a:rPr>
+              <a:t>構築・管理</a:t>
+            </a:r>
+            <a:endParaRPr lang="en-US" altLang="ja-JP" sz="1176" dirty="0">
+              <a:gradFill>
+                <a:gsLst>
+                  <a:gs pos="2917">
+                    <a:schemeClr val="tx1"/>
+                  </a:gs>
+                  <a:gs pos="30000">
+                    <a:schemeClr val="tx1"/>
+                  </a:gs>
+                </a:gsLst>
+                <a:lin ang="5400000" scaled="0"/>
+              </a:gradFill>
+            </a:endParaRPr>
+          </a:p>
+        </p:txBody>
+      </p:sp>
+      <p:sp>
+        <p:nvSpPr>
+          <p:cNvPr id="15" name="吹き出し: 角を丸めた四角形 14">
+            <a:extLst>
+              <a:ext uri="{FF2B5EF4-FFF2-40B4-BE49-F238E27FC236}">
+                <a16:creationId xmlns:a16="http://schemas.microsoft.com/office/drawing/2014/main" id="{EAAA6851-AFF4-565B-4940-7B1A98FC69CC}"/>
+              </a:ext>
+            </a:extLst>
+          </p:cNvPr>
+          <p:cNvSpPr/>
+          <p:nvPr/>
+        </p:nvSpPr>
+        <p:spPr>
+          <a:xfrm>
+            <a:off x="9710693" y="1339557"/>
+            <a:ext cx="3763069" cy="2000679"/>
+          </a:xfrm>
+          <a:prstGeom prst="wedgeRoundRectCallout">
+            <a:avLst>
+              <a:gd name="adj1" fmla="val -67887"/>
+              <a:gd name="adj2" fmla="val 3020"/>
+              <a:gd name="adj3" fmla="val 16667"/>
+            </a:avLst>
+          </a:prstGeom>
+        </p:spPr>
+        <p:style>
+          <a:lnRef idx="2">
+            <a:schemeClr val="accent3"/>
+          </a:lnRef>
+          <a:fillRef idx="1">
+            <a:schemeClr val="lt1"/>
+          </a:fillRef>
+          <a:effectRef idx="0">
+            <a:schemeClr val="accent3"/>
+          </a:effectRef>
+          <a:fontRef idx="minor">
+            <a:schemeClr val="dk1"/>
+          </a:fontRef>
+        </p:style>
+        <p:txBody>
+          <a:bodyPr rtlCol="0" anchor="ctr"/>
+          <a:lstStyle/>
+          <a:p>
+            <a:pPr algn="ctr"/>
+            <a:endParaRPr kumimoji="1" lang="ja-JP" altLang="en-US"/>
+          </a:p>
+        </p:txBody>
+      </p:sp>
+      <p:pic>
+        <p:nvPicPr>
+          <p:cNvPr id="31" name="図 30" descr="アイコン&#10;&#10;自動的に生成された説明">
+            <a:extLst>
+              <a:ext uri="{FF2B5EF4-FFF2-40B4-BE49-F238E27FC236}">
+                <a16:creationId xmlns:a16="http://schemas.microsoft.com/office/drawing/2014/main" id="{E95C1ACB-CF36-BC20-2559-23738E20622C}"/>
+              </a:ext>
+            </a:extLst>
+          </p:cNvPr>
+          <p:cNvPicPr>
+            <a:picLocks noChangeAspect="1"/>
+          </p:cNvPicPr>
+          <p:nvPr/>
+        </p:nvPicPr>
+        <p:blipFill>
+          <a:blip r:embed="rId14">
+            <a:extLst>
+              <a:ext uri="{28A0092B-C50C-407E-A947-70E740481C1C}">
+                <a14:useLocalDpi xmlns:a14="http://schemas.microsoft.com/office/drawing/2010/main" val="0"/>
+              </a:ext>
+            </a:extLst>
+          </a:blip>
+          <a:stretch>
+            <a:fillRect/>
+          </a:stretch>
+        </p:blipFill>
+        <p:spPr>
+          <a:xfrm>
+            <a:off x="10207698" y="649848"/>
+            <a:ext cx="514286" cy="581538"/>
+          </a:xfrm>
+          <a:prstGeom prst="rect">
+            <a:avLst/>
+          </a:prstGeom>
+        </p:spPr>
+      </p:pic>
+      <p:pic>
+        <p:nvPicPr>
+          <p:cNvPr id="1028" name="Picture 4" descr="Kudu ZipDeploy - Visual Studio Marketplace">
+            <a:extLst>
+              <a:ext uri="{FF2B5EF4-FFF2-40B4-BE49-F238E27FC236}">
+                <a16:creationId xmlns:a16="http://schemas.microsoft.com/office/drawing/2014/main" id="{EC2703B2-AC34-8A4A-F5F5-0962150EAD63}"/>
+              </a:ext>
+            </a:extLst>
+          </p:cNvPr>
+          <p:cNvPicPr>
+            <a:picLocks noChangeAspect="1" noChangeArrowheads="1"/>
+          </p:cNvPicPr>
+          <p:nvPr/>
+        </p:nvPicPr>
+        <p:blipFill>
+          <a:blip r:embed="rId15">
+            <a:clrChange>
+              <a:clrFrom>
+                <a:srgbClr val="FFFFFF"/>
+              </a:clrFrom>
+              <a:clrTo>
+                <a:srgbClr val="FFFFFF">
+                  <a:alpha val="0"/>
+                </a:srgbClr>
+              </a:clrTo>
+            </a:clrChange>
+            <a:extLst>
+              <a:ext uri="{28A0092B-C50C-407E-A947-70E740481C1C}">
+                <a14:useLocalDpi xmlns:a14="http://schemas.microsoft.com/office/drawing/2010/main" val="0"/>
+              </a:ext>
+            </a:extLst>
+          </a:blip>
+          <a:srcRect/>
+          <a:stretch>
+            <a:fillRect/>
+          </a:stretch>
+        </p:blipFill>
+        <p:spPr bwMode="auto">
+          <a:xfrm>
+            <a:off x="10513692" y="2399853"/>
+            <a:ext cx="682866" cy="682866"/>
+          </a:xfrm>
+          <a:prstGeom prst="rect">
+            <a:avLst/>
+          </a:prstGeom>
+          <a:noFill/>
+          <a:extLst>
+            <a:ext uri="{909E8E84-426E-40DD-AFC4-6F175D3DCCD1}">
+              <a14:hiddenFill xmlns:a14="http://schemas.microsoft.com/office/drawing/2010/main">
+                <a:solidFill>
+                  <a:srgbClr val="FFFFFF"/>
+                </a:solidFill>
+              </a14:hiddenFill>
+            </a:ext>
+          </a:extLst>
+        </p:spPr>
+      </p:pic>
+      <p:sp>
+        <p:nvSpPr>
+          <p:cNvPr id="33" name="円柱 32">
+            <a:extLst>
+              <a:ext uri="{FF2B5EF4-FFF2-40B4-BE49-F238E27FC236}">
+                <a16:creationId xmlns:a16="http://schemas.microsoft.com/office/drawing/2014/main" id="{01B17C4A-2078-CB10-1568-BFD48785BC4D}"/>
+              </a:ext>
+            </a:extLst>
+          </p:cNvPr>
+          <p:cNvSpPr/>
+          <p:nvPr/>
+        </p:nvSpPr>
+        <p:spPr>
+          <a:xfrm>
+            <a:off x="12130438" y="1914672"/>
+            <a:ext cx="956946" cy="938407"/>
+          </a:xfrm>
+          <a:prstGeom prst="can">
+            <a:avLst/>
+          </a:prstGeom>
+        </p:spPr>
+        <p:style>
+          <a:lnRef idx="2">
+            <a:schemeClr val="accent1"/>
+          </a:lnRef>
+          <a:fillRef idx="1">
+            <a:schemeClr val="lt1"/>
+          </a:fillRef>
+          <a:effectRef idx="0">
+            <a:schemeClr val="accent1"/>
+          </a:effectRef>
+          <a:fontRef idx="minor">
+            <a:schemeClr val="dk1"/>
+          </a:fontRef>
+        </p:style>
+        <p:txBody>
+          <a:bodyPr rtlCol="0" anchor="ctr"/>
+          <a:lstStyle/>
+          <a:p>
+            <a:pPr algn="ctr"/>
+            <a:endParaRPr kumimoji="1" lang="ja-JP" altLang="en-US"/>
+          </a:p>
+        </p:txBody>
+      </p:sp>
+      <p:pic>
+        <p:nvPicPr>
+          <p:cNvPr id="36" name="図 35" descr="アイコン&#10;&#10;自動的に生成された説明">
+            <a:extLst>
+              <a:ext uri="{FF2B5EF4-FFF2-40B4-BE49-F238E27FC236}">
+                <a16:creationId xmlns:a16="http://schemas.microsoft.com/office/drawing/2014/main" id="{3054A62C-BBC5-A531-4416-538B3AEC2E60}"/>
+              </a:ext>
+            </a:extLst>
+          </p:cNvPr>
+          <p:cNvPicPr>
+            <a:picLocks noChangeAspect="1"/>
+          </p:cNvPicPr>
+          <p:nvPr/>
+        </p:nvPicPr>
+        <p:blipFill>
+          <a:blip r:embed="rId14">
+            <a:extLst>
+              <a:ext uri="{28A0092B-C50C-407E-A947-70E740481C1C}">
+                <a14:useLocalDpi xmlns:a14="http://schemas.microsoft.com/office/drawing/2010/main" val="0"/>
+              </a:ext>
+            </a:extLst>
+          </a:blip>
+          <a:stretch>
+            <a:fillRect/>
+          </a:stretch>
+        </p:blipFill>
+        <p:spPr>
+          <a:xfrm>
+            <a:off x="12372432" y="2186729"/>
+            <a:ext cx="514286" cy="581538"/>
+          </a:xfrm>
+          <a:prstGeom prst="rect">
+            <a:avLst/>
+          </a:prstGeom>
+        </p:spPr>
+      </p:pic>
+      <p:sp>
+        <p:nvSpPr>
+          <p:cNvPr id="39" name="正方形/長方形 38">
+            <a:extLst>
+              <a:ext uri="{FF2B5EF4-FFF2-40B4-BE49-F238E27FC236}">
+                <a16:creationId xmlns:a16="http://schemas.microsoft.com/office/drawing/2014/main" id="{61524250-6FD4-EB58-5020-0932116AE2E1}"/>
+              </a:ext>
+            </a:extLst>
+          </p:cNvPr>
+          <p:cNvSpPr/>
+          <p:nvPr/>
+        </p:nvSpPr>
+        <p:spPr>
+          <a:xfrm>
+            <a:off x="10364676" y="1564517"/>
+            <a:ext cx="136413" cy="144175"/>
+          </a:xfrm>
+          <a:prstGeom prst="rect">
+            <a:avLst/>
+          </a:prstGeom>
+        </p:spPr>
+        <p:style>
+          <a:lnRef idx="1">
+            <a:schemeClr val="accent4"/>
+          </a:lnRef>
+          <a:fillRef idx="2">
+            <a:schemeClr val="accent4"/>
+          </a:fillRef>
+          <a:effectRef idx="1">
+            <a:schemeClr val="accent4"/>
+          </a:effectRef>
+          <a:fontRef idx="minor">
+            <a:schemeClr val="dk1"/>
+          </a:fontRef>
+        </p:style>
+        <p:txBody>
+          <a:bodyPr rtlCol="0" anchor="ctr"/>
+          <a:lstStyle/>
+          <a:p>
+            <a:pPr algn="ctr"/>
+            <a:endParaRPr kumimoji="1" lang="ja-JP" altLang="en-US"/>
+          </a:p>
+        </p:txBody>
+      </p:sp>
+      <p:sp>
+        <p:nvSpPr>
+          <p:cNvPr id="40" name="正方形/長方形 39">
+            <a:extLst>
+              <a:ext uri="{FF2B5EF4-FFF2-40B4-BE49-F238E27FC236}">
+                <a16:creationId xmlns:a16="http://schemas.microsoft.com/office/drawing/2014/main" id="{FF7F8F1A-6457-72B2-2F6A-3552A730DC00}"/>
+              </a:ext>
+            </a:extLst>
+          </p:cNvPr>
+          <p:cNvSpPr/>
+          <p:nvPr/>
+        </p:nvSpPr>
+        <p:spPr>
+          <a:xfrm>
+            <a:off x="10513692" y="1710397"/>
+            <a:ext cx="1101503" cy="570122"/>
+          </a:xfrm>
+          <a:prstGeom prst="rect">
+            <a:avLst/>
+          </a:prstGeom>
+        </p:spPr>
+        <p:style>
+          <a:lnRef idx="1">
+            <a:schemeClr val="accent4"/>
+          </a:lnRef>
+          <a:fillRef idx="2">
+            <a:schemeClr val="accent4"/>
+          </a:fillRef>
+          <a:effectRef idx="1">
+            <a:schemeClr val="accent4"/>
+          </a:effectRef>
+          <a:fontRef idx="minor">
+            <a:schemeClr val="dk1"/>
+          </a:fontRef>
+        </p:style>
+        <p:txBody>
+          <a:bodyPr rtlCol="0" anchor="ctr"/>
+          <a:lstStyle/>
+          <a:p>
+            <a:pPr algn="ctr"/>
+            <a:r>
+              <a:rPr kumimoji="1" lang="en-US" altLang="ja-JP" sz="1400" dirty="0"/>
+              <a:t>w3wp.exe</a:t>
+            </a:r>
+            <a:endParaRPr kumimoji="1" lang="ja-JP" altLang="en-US" sz="1400" dirty="0"/>
+          </a:p>
+        </p:txBody>
+      </p:sp>
+      <p:sp>
+        <p:nvSpPr>
+          <p:cNvPr id="41" name="テキスト ボックス 40">
+            <a:extLst>
+              <a:ext uri="{FF2B5EF4-FFF2-40B4-BE49-F238E27FC236}">
+                <a16:creationId xmlns:a16="http://schemas.microsoft.com/office/drawing/2014/main" id="{25409F90-B3EA-D8F9-8FE8-CD9540C5D402}"/>
+              </a:ext>
+            </a:extLst>
+          </p:cNvPr>
+          <p:cNvSpPr txBox="1"/>
+          <p:nvPr/>
+        </p:nvSpPr>
+        <p:spPr>
+          <a:xfrm>
+            <a:off x="10149788" y="2979405"/>
+            <a:ext cx="1251649" cy="454318"/>
+          </a:xfrm>
+          <a:prstGeom prst="rect">
+            <a:avLst/>
+          </a:prstGeom>
+          <a:noFill/>
+        </p:spPr>
+        <p:txBody>
+          <a:bodyPr wrap="square" lIns="179285" tIns="143428" rIns="179285" bIns="143428" rtlCol="0" anchor="ctr">
+            <a:spAutoFit/>
+          </a:bodyPr>
+          <a:lstStyle/>
+          <a:p>
+            <a:pPr algn="ctr">
+              <a:lnSpc>
+                <a:spcPct val="90000"/>
+              </a:lnSpc>
+              <a:spcAft>
+                <a:spcPts val="588"/>
+              </a:spcAft>
+            </a:pPr>
+            <a:r>
+              <a:rPr lang="en-US" altLang="ja-JP" sz="1176" dirty="0">
+                <a:gradFill>
+                  <a:gsLst>
+                    <a:gs pos="2917">
+                      <a:schemeClr val="tx1"/>
+                    </a:gs>
+                    <a:gs pos="30000">
+                      <a:schemeClr val="tx1"/>
+                    </a:gs>
+                  </a:gsLst>
+                  <a:lin ang="5400000" scaled="0"/>
+                </a:gradFill>
+              </a:rPr>
+              <a:t>kudu</a:t>
+            </a:r>
+          </a:p>
+        </p:txBody>
+      </p:sp>
+      <p:cxnSp>
+        <p:nvCxnSpPr>
+          <p:cNvPr id="43" name="直線矢印コネクタ 42">
+            <a:extLst>
+              <a:ext uri="{FF2B5EF4-FFF2-40B4-BE49-F238E27FC236}">
+                <a16:creationId xmlns:a16="http://schemas.microsoft.com/office/drawing/2014/main" id="{0CEDB6DE-503B-988C-C173-571D926E3316}"/>
+              </a:ext>
+            </a:extLst>
+          </p:cNvPr>
+          <p:cNvCxnSpPr>
+            <a:cxnSpLocks/>
+          </p:cNvCxnSpPr>
+          <p:nvPr/>
+        </p:nvCxnSpPr>
+        <p:spPr>
+          <a:xfrm flipV="1">
+            <a:off x="6832935" y="2579764"/>
+            <a:ext cx="487633" cy="2235"/>
+          </a:xfrm>
+          <a:prstGeom prst="straightConnector1">
+            <a:avLst/>
+          </a:prstGeom>
+          <a:ln w="28575">
+            <a:solidFill>
+              <a:srgbClr val="FF0000"/>
+            </a:solidFill>
+            <a:headEnd type="none" w="med" len="med"/>
+            <a:tailEnd type="arrow" w="med" len="med"/>
+          </a:ln>
+        </p:spPr>
+        <p:style>
+          <a:lnRef idx="1">
+            <a:schemeClr val="accent1"/>
+          </a:lnRef>
+          <a:fillRef idx="0">
+            <a:schemeClr val="accent1"/>
+          </a:fillRef>
+          <a:effectRef idx="0">
+            <a:schemeClr val="accent1"/>
+          </a:effectRef>
+          <a:fontRef idx="minor">
+            <a:schemeClr val="tx1"/>
+          </a:fontRef>
+        </p:style>
+      </p:cxnSp>
+      <p:cxnSp>
+        <p:nvCxnSpPr>
+          <p:cNvPr id="44" name="直線矢印コネクタ 43">
+            <a:extLst>
+              <a:ext uri="{FF2B5EF4-FFF2-40B4-BE49-F238E27FC236}">
+                <a16:creationId xmlns:a16="http://schemas.microsoft.com/office/drawing/2014/main" id="{190028A8-BFCC-FE82-219C-5D49DFF58E4C}"/>
+              </a:ext>
+            </a:extLst>
+          </p:cNvPr>
+          <p:cNvCxnSpPr>
+            <a:cxnSpLocks/>
+          </p:cNvCxnSpPr>
+          <p:nvPr/>
+        </p:nvCxnSpPr>
+        <p:spPr>
+          <a:xfrm flipV="1">
+            <a:off x="9855615" y="2757203"/>
+            <a:ext cx="590036" cy="2235"/>
+          </a:xfrm>
+          <a:prstGeom prst="straightConnector1">
+            <a:avLst/>
+          </a:prstGeom>
+          <a:ln w="28575">
+            <a:solidFill>
+              <a:srgbClr val="FF0000"/>
+            </a:solidFill>
+            <a:headEnd type="none" w="med" len="med"/>
+            <a:tailEnd type="arrow" w="med" len="med"/>
+          </a:ln>
+        </p:spPr>
+        <p:style>
+          <a:lnRef idx="1">
+            <a:schemeClr val="accent1"/>
+          </a:lnRef>
+          <a:fillRef idx="0">
+            <a:schemeClr val="accent1"/>
+          </a:fillRef>
+          <a:effectRef idx="0">
+            <a:schemeClr val="accent1"/>
+          </a:effectRef>
+          <a:fontRef idx="minor">
+            <a:schemeClr val="tx1"/>
+          </a:fontRef>
+        </p:style>
+      </p:cxnSp>
+      <p:cxnSp>
+        <p:nvCxnSpPr>
+          <p:cNvPr id="45" name="直線矢印コネクタ 44">
+            <a:extLst>
+              <a:ext uri="{FF2B5EF4-FFF2-40B4-BE49-F238E27FC236}">
+                <a16:creationId xmlns:a16="http://schemas.microsoft.com/office/drawing/2014/main" id="{00ADAE99-4DAD-E5F2-0F5C-E64D2EFA2B5C}"/>
+              </a:ext>
+            </a:extLst>
+          </p:cNvPr>
+          <p:cNvCxnSpPr>
+            <a:cxnSpLocks/>
+          </p:cNvCxnSpPr>
+          <p:nvPr/>
+        </p:nvCxnSpPr>
+        <p:spPr>
+          <a:xfrm flipV="1">
+            <a:off x="11315800" y="2545382"/>
+            <a:ext cx="814638" cy="259578"/>
+          </a:xfrm>
+          <a:prstGeom prst="straightConnector1">
+            <a:avLst/>
+          </a:prstGeom>
+          <a:ln w="28575">
+            <a:solidFill>
+              <a:srgbClr val="FF0000"/>
+            </a:solidFill>
+            <a:headEnd type="none" w="med" len="med"/>
+            <a:tailEnd type="arrow" w="med" len="med"/>
+          </a:ln>
+        </p:spPr>
+        <p:style>
+          <a:lnRef idx="1">
+            <a:schemeClr val="accent1"/>
+          </a:lnRef>
+          <a:fillRef idx="0">
+            <a:schemeClr val="accent1"/>
+          </a:fillRef>
+          <a:effectRef idx="0">
+            <a:schemeClr val="accent1"/>
+          </a:effectRef>
+          <a:fontRef idx="minor">
+            <a:schemeClr val="tx1"/>
+          </a:fontRef>
+        </p:style>
+      </p:cxnSp>
+      <p:cxnSp>
+        <p:nvCxnSpPr>
+          <p:cNvPr id="47" name="直線矢印コネクタ 46">
+            <a:extLst>
+              <a:ext uri="{FF2B5EF4-FFF2-40B4-BE49-F238E27FC236}">
+                <a16:creationId xmlns:a16="http://schemas.microsoft.com/office/drawing/2014/main" id="{30813204-142F-0DCE-744F-670203F1C43F}"/>
+              </a:ext>
+            </a:extLst>
+          </p:cNvPr>
+          <p:cNvCxnSpPr>
+            <a:cxnSpLocks/>
+          </p:cNvCxnSpPr>
+          <p:nvPr/>
+        </p:nvCxnSpPr>
+        <p:spPr>
+          <a:xfrm>
+            <a:off x="6828085" y="2324038"/>
+            <a:ext cx="485346" cy="277"/>
+          </a:xfrm>
+          <a:prstGeom prst="straightConnector1">
+            <a:avLst/>
+          </a:prstGeom>
+          <a:ln>
+            <a:headEnd type="none" w="med" len="med"/>
+            <a:tailEnd type="arrow" w="med" len="med"/>
+          </a:ln>
+        </p:spPr>
+        <p:style>
+          <a:lnRef idx="3">
+            <a:schemeClr val="accent6"/>
+          </a:lnRef>
+          <a:fillRef idx="0">
+            <a:schemeClr val="accent6"/>
+          </a:fillRef>
+          <a:effectRef idx="2">
+            <a:schemeClr val="accent6"/>
+          </a:effectRef>
+          <a:fontRef idx="minor">
+            <a:schemeClr val="tx1"/>
+          </a:fontRef>
+        </p:style>
+      </p:cxnSp>
+      <p:cxnSp>
+        <p:nvCxnSpPr>
+          <p:cNvPr id="48" name="直線矢印コネクタ 47">
+            <a:extLst>
+              <a:ext uri="{FF2B5EF4-FFF2-40B4-BE49-F238E27FC236}">
+                <a16:creationId xmlns:a16="http://schemas.microsoft.com/office/drawing/2014/main" id="{C2DEF088-1046-070A-AD9F-472FF3A0BA8C}"/>
+              </a:ext>
+            </a:extLst>
+          </p:cNvPr>
+          <p:cNvCxnSpPr>
+            <a:cxnSpLocks/>
+          </p:cNvCxnSpPr>
+          <p:nvPr/>
+        </p:nvCxnSpPr>
+        <p:spPr>
+          <a:xfrm>
+            <a:off x="9902514" y="2022516"/>
+            <a:ext cx="485346" cy="277"/>
+          </a:xfrm>
+          <a:prstGeom prst="straightConnector1">
+            <a:avLst/>
+          </a:prstGeom>
+          <a:ln>
+            <a:headEnd type="none" w="med" len="med"/>
+            <a:tailEnd type="arrow" w="med" len="med"/>
+          </a:ln>
+        </p:spPr>
+        <p:style>
+          <a:lnRef idx="3">
+            <a:schemeClr val="accent6"/>
+          </a:lnRef>
+          <a:fillRef idx="0">
+            <a:schemeClr val="accent6"/>
+          </a:fillRef>
+          <a:effectRef idx="2">
+            <a:schemeClr val="accent6"/>
+          </a:effectRef>
+          <a:fontRef idx="minor">
+            <a:schemeClr val="tx1"/>
+          </a:fontRef>
+        </p:style>
+      </p:cxnSp>
+      <p:cxnSp>
+        <p:nvCxnSpPr>
+          <p:cNvPr id="49" name="直線矢印コネクタ 48">
+            <a:extLst>
+              <a:ext uri="{FF2B5EF4-FFF2-40B4-BE49-F238E27FC236}">
+                <a16:creationId xmlns:a16="http://schemas.microsoft.com/office/drawing/2014/main" id="{FA09F9D1-F23B-8150-53A3-6D0D202FBB8F}"/>
+              </a:ext>
+            </a:extLst>
+          </p:cNvPr>
+          <p:cNvCxnSpPr>
+            <a:cxnSpLocks/>
+          </p:cNvCxnSpPr>
+          <p:nvPr/>
+        </p:nvCxnSpPr>
+        <p:spPr>
+          <a:xfrm>
+            <a:off x="11540768" y="1971234"/>
+            <a:ext cx="602413" cy="302638"/>
+          </a:xfrm>
+          <a:prstGeom prst="straightConnector1">
+            <a:avLst/>
+          </a:prstGeom>
+          <a:ln>
+            <a:headEnd type="none" w="med" len="med"/>
+            <a:tailEnd type="arrow" w="med" len="med"/>
+          </a:ln>
+        </p:spPr>
+        <p:style>
+          <a:lnRef idx="3">
+            <a:schemeClr val="accent6"/>
+          </a:lnRef>
+          <a:fillRef idx="0">
+            <a:schemeClr val="accent6"/>
+          </a:fillRef>
+          <a:effectRef idx="2">
+            <a:schemeClr val="accent6"/>
+          </a:effectRef>
+          <a:fontRef idx="minor">
+            <a:schemeClr val="tx1"/>
+          </a:fontRef>
+        </p:style>
+      </p:cxnSp>
+      <p:sp>
+        <p:nvSpPr>
+          <p:cNvPr id="54" name="テキスト ボックス 53">
+            <a:extLst>
+              <a:ext uri="{FF2B5EF4-FFF2-40B4-BE49-F238E27FC236}">
+                <a16:creationId xmlns:a16="http://schemas.microsoft.com/office/drawing/2014/main" id="{B5939B6A-DB3D-3DF3-6524-465C15476EF3}"/>
+              </a:ext>
+            </a:extLst>
+          </p:cNvPr>
+          <p:cNvSpPr txBox="1"/>
+          <p:nvPr/>
+        </p:nvSpPr>
+        <p:spPr>
+          <a:xfrm>
+            <a:off x="11418016" y="2834683"/>
+            <a:ext cx="2224076" cy="454318"/>
+          </a:xfrm>
+          <a:prstGeom prst="rect">
+            <a:avLst/>
+          </a:prstGeom>
+          <a:noFill/>
+        </p:spPr>
+        <p:txBody>
+          <a:bodyPr wrap="square" lIns="179285" tIns="143428" rIns="179285" bIns="143428" rtlCol="0" anchor="ctr">
+            <a:spAutoFit/>
+          </a:bodyPr>
+          <a:lstStyle/>
+          <a:p>
+            <a:pPr algn="ctr">
+              <a:lnSpc>
+                <a:spcPct val="90000"/>
+              </a:lnSpc>
+              <a:spcAft>
+                <a:spcPts val="588"/>
+              </a:spcAft>
+            </a:pPr>
+            <a:r>
+              <a:rPr lang="en-US" altLang="ja-JP" sz="1176" dirty="0">
+                <a:gradFill>
+                  <a:gsLst>
+                    <a:gs pos="2917">
+                      <a:schemeClr val="tx1"/>
+                    </a:gs>
+                    <a:gs pos="30000">
+                      <a:schemeClr val="tx1"/>
+                    </a:gs>
+                  </a:gsLst>
+                  <a:lin ang="5400000" scaled="0"/>
+                </a:gradFill>
+              </a:rPr>
+              <a:t>C:\home\site\wwwroot</a:t>
+            </a:r>
+          </a:p>
+        </p:txBody>
+      </p:sp>
+    </p:spTree>
+    <p:extLst>
+      <p:ext uri="{BB962C8B-B14F-4D97-AF65-F5344CB8AC3E}">
+        <p14:creationId xmlns:p14="http://schemas.microsoft.com/office/powerpoint/2010/main" val="954802017"/>
+      </p:ext>
+    </p:extLst>
+  </p:cSld>
+  <p:clrMapOvr>
+    <a:masterClrMapping/>
+  </p:clrMapOvr>
+</p:sld>
+</file>
+
+<file path=ppt/slides/slide3.xml><?xml version="1.0" encoding="utf-8"?>
+<p:sld xmlns:a="http://schemas.openxmlformats.org/drawingml/2006/main" xmlns:r="http://schemas.openxmlformats.org/officeDocument/2006/relationships" xmlns:p="http://schemas.openxmlformats.org/presentationml/2006/main">
+  <p:cSld>
+    <p:spTree>
+      <p:nvGrpSpPr>
+        <p:cNvPr id="1" name=""/>
+        <p:cNvGrpSpPr/>
+        <p:nvPr/>
+      </p:nvGrpSpPr>
+      <p:grpSpPr>
+        <a:xfrm>
+          <a:off x="0" y="0"/>
+          <a:ext cx="0" cy="0"/>
+          <a:chOff x="0" y="0"/>
+          <a:chExt cx="0" cy="0"/>
+        </a:xfrm>
+      </p:grpSpPr>
+      <p:pic>
+        <p:nvPicPr>
+          <p:cNvPr id="3" name="図 2" descr="グラフィカル ユーザー インターフェイス, アプリケーション&#10;&#10;自動的に生成された説明">
+            <a:extLst>
+              <a:ext uri="{FF2B5EF4-FFF2-40B4-BE49-F238E27FC236}">
+                <a16:creationId xmlns:a16="http://schemas.microsoft.com/office/drawing/2014/main" id="{6B1078E1-96FE-F339-2AB7-F337B93A78E0}"/>
+              </a:ext>
+            </a:extLst>
+          </p:cNvPr>
+          <p:cNvPicPr>
+            <a:picLocks noChangeAspect="1"/>
+          </p:cNvPicPr>
+          <p:nvPr/>
+        </p:nvPicPr>
+        <p:blipFill>
+          <a:blip r:embed="rId2">
+            <a:extLst>
+              <a:ext uri="{28A0092B-C50C-407E-A947-70E740481C1C}">
+                <a14:useLocalDpi xmlns:a14="http://schemas.microsoft.com/office/drawing/2010/main" val="0"/>
+              </a:ext>
+            </a:extLst>
+          </a:blip>
+          <a:stretch>
+            <a:fillRect/>
+          </a:stretch>
+        </p:blipFill>
+        <p:spPr>
+          <a:xfrm>
+            <a:off x="2225476" y="1003175"/>
+            <a:ext cx="7741048" cy="4851649"/>
+          </a:xfrm>
+          <a:prstGeom prst="rect">
+            <a:avLst/>
+          </a:prstGeom>
+          <a:ln>
+            <a:noFill/>
+          </a:ln>
+          <a:effectLst>
+            <a:outerShdw blurRad="292100" dist="139700" dir="2700000" algn="tl" rotWithShape="0">
+              <a:srgbClr val="333333">
+                <a:alpha val="65000"/>
+              </a:srgbClr>
+            </a:outerShdw>
+          </a:effectLst>
+        </p:spPr>
+      </p:pic>
+    </p:spTree>
+    <p:extLst>
+      <p:ext uri="{BB962C8B-B14F-4D97-AF65-F5344CB8AC3E}">
+        <p14:creationId xmlns:p14="http://schemas.microsoft.com/office/powerpoint/2010/main" val="1504511392"/>
+      </p:ext>
+    </p:extLst>
+  </p:cSld>
+  <p:clrMapOvr>
+    <a:masterClrMapping/>
+  </p:clrMapOvr>
+</p:sld>
+</file>
+
+<file path=ppt/slides/slide4.xml><?xml version="1.0" encoding="utf-8"?>
+<p:sld xmlns:a="http://schemas.openxmlformats.org/drawingml/2006/main" xmlns:r="http://schemas.openxmlformats.org/officeDocument/2006/relationships" xmlns:p="http://schemas.openxmlformats.org/presentationml/2006/main">
+  <p:cSld>
+    <p:spTree>
+      <p:nvGrpSpPr>
+        <p:cNvPr id="1" name=""/>
+        <p:cNvGrpSpPr/>
+        <p:nvPr/>
+      </p:nvGrpSpPr>
+      <p:grpSpPr>
+        <a:xfrm>
+          <a:off x="0" y="0"/>
+          <a:ext cx="0" cy="0"/>
+          <a:chOff x="0" y="0"/>
+          <a:chExt cx="0" cy="0"/>
+        </a:xfrm>
+      </p:grpSpPr>
+      <p:pic>
+        <p:nvPicPr>
+          <p:cNvPr id="5" name="図 4">
+            <a:extLst>
+              <a:ext uri="{FF2B5EF4-FFF2-40B4-BE49-F238E27FC236}">
+                <a16:creationId xmlns:a16="http://schemas.microsoft.com/office/drawing/2014/main" id="{E11B9F46-2F39-8889-8CC9-12F574B07101}"/>
+              </a:ext>
+            </a:extLst>
+          </p:cNvPr>
+          <p:cNvPicPr>
+            <a:picLocks noChangeAspect="1"/>
+          </p:cNvPicPr>
+          <p:nvPr/>
+        </p:nvPicPr>
+        <p:blipFill>
+          <a:blip r:embed="rId2"/>
+          <a:stretch>
+            <a:fillRect/>
+          </a:stretch>
+        </p:blipFill>
+        <p:spPr>
+          <a:xfrm>
+            <a:off x="373112" y="494733"/>
+            <a:ext cx="10108044" cy="1347333"/>
+          </a:xfrm>
+          <a:prstGeom prst="rect">
+            <a:avLst/>
+          </a:prstGeom>
+          <a:ln>
+            <a:noFill/>
+          </a:ln>
+          <a:effectLst>
+            <a:outerShdw blurRad="292100" dist="139700" dir="2700000" algn="tl" rotWithShape="0">
+              <a:srgbClr val="333333">
+                <a:alpha val="65000"/>
+              </a:srgbClr>
+            </a:outerShdw>
+          </a:effectLst>
+        </p:spPr>
+      </p:pic>
+      <p:pic>
+        <p:nvPicPr>
+          <p:cNvPr id="9" name="図 8">
+            <a:extLst>
+              <a:ext uri="{FF2B5EF4-FFF2-40B4-BE49-F238E27FC236}">
+                <a16:creationId xmlns:a16="http://schemas.microsoft.com/office/drawing/2014/main" id="{AE462ADD-8811-22C8-1B5C-80B392B3279C}"/>
+              </a:ext>
+            </a:extLst>
+          </p:cNvPr>
+          <p:cNvPicPr>
+            <a:picLocks noChangeAspect="1"/>
+          </p:cNvPicPr>
+          <p:nvPr/>
+        </p:nvPicPr>
+        <p:blipFill>
+          <a:blip r:embed="rId3"/>
+          <a:stretch>
+            <a:fillRect/>
+          </a:stretch>
+        </p:blipFill>
+        <p:spPr>
+          <a:xfrm>
+            <a:off x="5276826" y="2014402"/>
+            <a:ext cx="6413548" cy="2408129"/>
+          </a:xfrm>
+          <a:prstGeom prst="rect">
+            <a:avLst/>
+          </a:prstGeom>
+          <a:ln>
+            <a:noFill/>
+          </a:ln>
+          <a:effectLst>
+            <a:outerShdw blurRad="292100" dist="139700" dir="2700000" algn="tl" rotWithShape="0">
+              <a:srgbClr val="333333">
+                <a:alpha val="65000"/>
+              </a:srgbClr>
+            </a:outerShdw>
+          </a:effectLst>
+        </p:spPr>
+      </p:pic>
+      <p:sp>
+        <p:nvSpPr>
+          <p:cNvPr id="10" name="楕円 9">
+            <a:extLst>
+              <a:ext uri="{FF2B5EF4-FFF2-40B4-BE49-F238E27FC236}">
+                <a16:creationId xmlns:a16="http://schemas.microsoft.com/office/drawing/2014/main" id="{AB024B36-2781-5916-138C-1F449A3303F8}"/>
+              </a:ext>
+            </a:extLst>
+          </p:cNvPr>
+          <p:cNvSpPr/>
+          <p:nvPr/>
+        </p:nvSpPr>
+        <p:spPr>
+          <a:xfrm>
+            <a:off x="7484533" y="903201"/>
+            <a:ext cx="1583267" cy="702733"/>
+          </a:xfrm>
+          <a:prstGeom prst="ellipse">
+            <a:avLst/>
+          </a:prstGeom>
+          <a:noFill/>
+          <a:ln w="28575">
+            <a:solidFill>
+              <a:srgbClr val="FF0000"/>
+            </a:solidFill>
+          </a:ln>
+        </p:spPr>
+        <p:style>
+          <a:lnRef idx="2">
+            <a:schemeClr val="accent1">
+              <a:shade val="50000"/>
+            </a:schemeClr>
+          </a:lnRef>
+          <a:fillRef idx="1">
+            <a:schemeClr val="accent1"/>
+          </a:fillRef>
+          <a:effectRef idx="0">
+            <a:schemeClr val="accent1"/>
+          </a:effectRef>
+          <a:fontRef idx="minor">
+            <a:schemeClr val="lt1"/>
+          </a:fontRef>
+        </p:style>
+        <p:txBody>
+          <a:bodyPr rtlCol="0" anchor="ctr"/>
+          <a:lstStyle/>
+          <a:p>
+            <a:pPr algn="ctr"/>
+            <a:endParaRPr kumimoji="1" lang="ja-JP" altLang="en-US"/>
+          </a:p>
+        </p:txBody>
+      </p:sp>
+    </p:spTree>
+    <p:extLst>
+      <p:ext uri="{BB962C8B-B14F-4D97-AF65-F5344CB8AC3E}">
+        <p14:creationId xmlns:p14="http://schemas.microsoft.com/office/powerpoint/2010/main" val="1810073653"/>
+      </p:ext>
+    </p:extLst>
+  </p:cSld>
+  <p:clrMapOvr>
+    <a:masterClrMapping/>
+  </p:clrMapOvr>
+</p:sld>
+</file>
+
+<file path=ppt/slides/slide5.xml><?xml version="1.0" encoding="utf-8"?>
+<p:sld xmlns:a="http://schemas.openxmlformats.org/drawingml/2006/main" xmlns:r="http://schemas.openxmlformats.org/officeDocument/2006/relationships" xmlns:p="http://schemas.openxmlformats.org/presentationml/2006/main">
+  <p:cSld>
+    <p:spTree>
+      <p:nvGrpSpPr>
+        <p:cNvPr id="1" name=""/>
+        <p:cNvGrpSpPr/>
+        <p:nvPr/>
+      </p:nvGrpSpPr>
+      <p:grpSpPr>
+        <a:xfrm>
+          <a:off x="0" y="0"/>
+          <a:ext cx="0" cy="0"/>
+          <a:chOff x="0" y="0"/>
+          <a:chExt cx="0" cy="0"/>
+        </a:xfrm>
+      </p:grpSpPr>
+      <p:pic>
+        <p:nvPicPr>
+          <p:cNvPr id="3" name="図 2">
+            <a:extLst>
+              <a:ext uri="{FF2B5EF4-FFF2-40B4-BE49-F238E27FC236}">
+                <a16:creationId xmlns:a16="http://schemas.microsoft.com/office/drawing/2014/main" id="{9AFE1510-4CF3-DF0B-983F-0D65B8EF5BBA}"/>
+              </a:ext>
+            </a:extLst>
+          </p:cNvPr>
+          <p:cNvPicPr>
+            <a:picLocks noChangeAspect="1"/>
+          </p:cNvPicPr>
+          <p:nvPr/>
+        </p:nvPicPr>
+        <p:blipFill>
+          <a:blip r:embed="rId2"/>
+          <a:stretch>
+            <a:fillRect/>
+          </a:stretch>
+        </p:blipFill>
+        <p:spPr>
+          <a:xfrm>
+            <a:off x="454871" y="250761"/>
+            <a:ext cx="8268125" cy="2495678"/>
+          </a:xfrm>
+          <a:prstGeom prst="rect">
+            <a:avLst/>
+          </a:prstGeom>
+          <a:ln>
+            <a:noFill/>
+          </a:ln>
+          <a:effectLst>
+            <a:outerShdw blurRad="292100" dist="139700" dir="2700000" algn="tl" rotWithShape="0">
+              <a:srgbClr val="333333">
+                <a:alpha val="65000"/>
+              </a:srgbClr>
+            </a:outerShdw>
+          </a:effectLst>
+        </p:spPr>
+      </p:pic>
+      <p:pic>
+        <p:nvPicPr>
+          <p:cNvPr id="5" name="図 4">
+            <a:extLst>
+              <a:ext uri="{FF2B5EF4-FFF2-40B4-BE49-F238E27FC236}">
+                <a16:creationId xmlns:a16="http://schemas.microsoft.com/office/drawing/2014/main" id="{8C9E249F-8A24-1039-A9A1-6A19890DBA4A}"/>
+              </a:ext>
+            </a:extLst>
+          </p:cNvPr>
+          <p:cNvPicPr>
+            <a:picLocks noChangeAspect="1"/>
+          </p:cNvPicPr>
+          <p:nvPr/>
+        </p:nvPicPr>
+        <p:blipFill>
+          <a:blip r:embed="rId3"/>
+          <a:stretch>
+            <a:fillRect/>
+          </a:stretch>
+        </p:blipFill>
+        <p:spPr>
+          <a:xfrm>
+            <a:off x="454871" y="3100090"/>
+            <a:ext cx="4966709" cy="2022944"/>
+          </a:xfrm>
+          <a:prstGeom prst="rect">
+            <a:avLst/>
+          </a:prstGeom>
+          <a:ln>
+            <a:noFill/>
+          </a:ln>
+          <a:effectLst>
+            <a:outerShdw blurRad="292100" dist="139700" dir="2700000" algn="tl" rotWithShape="0">
+              <a:srgbClr val="333333">
+                <a:alpha val="65000"/>
+              </a:srgbClr>
+            </a:outerShdw>
+          </a:effectLst>
+        </p:spPr>
+      </p:pic>
+      <p:pic>
+        <p:nvPicPr>
+          <p:cNvPr id="7" name="図 6">
+            <a:extLst>
+              <a:ext uri="{FF2B5EF4-FFF2-40B4-BE49-F238E27FC236}">
+                <a16:creationId xmlns:a16="http://schemas.microsoft.com/office/drawing/2014/main" id="{58E133B6-A4AC-C8F8-6BE8-A30997BE8F7A}"/>
+              </a:ext>
+            </a:extLst>
+          </p:cNvPr>
+          <p:cNvPicPr>
+            <a:picLocks noChangeAspect="1"/>
+          </p:cNvPicPr>
+          <p:nvPr/>
+        </p:nvPicPr>
+        <p:blipFill rotWithShape="1">
+          <a:blip r:embed="rId4"/>
+          <a:srcRect t="7455" r="13624" b="41851"/>
+          <a:stretch/>
+        </p:blipFill>
+        <p:spPr>
+          <a:xfrm>
+            <a:off x="5944616" y="3100090"/>
+            <a:ext cx="6840051" cy="3476590"/>
+          </a:xfrm>
+          <a:prstGeom prst="rect">
+            <a:avLst/>
+          </a:prstGeom>
+          <a:ln>
+            <a:noFill/>
+          </a:ln>
+          <a:effectLst>
+            <a:outerShdw blurRad="292100" dist="139700" dir="2700000" algn="tl" rotWithShape="0">
+              <a:srgbClr val="333333">
+                <a:alpha val="65000"/>
+              </a:srgbClr>
+            </a:outerShdw>
+          </a:effectLst>
+        </p:spPr>
+      </p:pic>
+      <p:sp>
+        <p:nvSpPr>
+          <p:cNvPr id="8" name="楕円 7">
+            <a:extLst>
+              <a:ext uri="{FF2B5EF4-FFF2-40B4-BE49-F238E27FC236}">
+                <a16:creationId xmlns:a16="http://schemas.microsoft.com/office/drawing/2014/main" id="{32440499-D9E1-B392-C4B2-EDF09310F38A}"/>
+              </a:ext>
+            </a:extLst>
+          </p:cNvPr>
+          <p:cNvSpPr/>
+          <p:nvPr/>
+        </p:nvSpPr>
+        <p:spPr>
+          <a:xfrm>
+            <a:off x="3623733" y="3938625"/>
+            <a:ext cx="1583267" cy="396675"/>
+          </a:xfrm>
+          <a:prstGeom prst="ellipse">
+            <a:avLst/>
+          </a:prstGeom>
+          <a:noFill/>
+          <a:ln w="28575">
+            <a:solidFill>
+              <a:srgbClr val="FF0000"/>
+            </a:solidFill>
+          </a:ln>
+        </p:spPr>
+        <p:style>
+          <a:lnRef idx="2">
+            <a:schemeClr val="accent1">
+              <a:shade val="50000"/>
+            </a:schemeClr>
+          </a:lnRef>
+          <a:fillRef idx="1">
+            <a:schemeClr val="accent1"/>
+          </a:fillRef>
+          <a:effectRef idx="0">
+            <a:schemeClr val="accent1"/>
+          </a:effectRef>
+          <a:fontRef idx="minor">
+            <a:schemeClr val="lt1"/>
+          </a:fontRef>
+        </p:style>
+        <p:txBody>
+          <a:bodyPr rtlCol="0" anchor="ctr"/>
+          <a:lstStyle/>
+          <a:p>
+            <a:pPr algn="ctr"/>
+            <a:endParaRPr kumimoji="1" lang="ja-JP" altLang="en-US"/>
+          </a:p>
+        </p:txBody>
+      </p:sp>
+    </p:spTree>
+    <p:extLst>
+      <p:ext uri="{BB962C8B-B14F-4D97-AF65-F5344CB8AC3E}">
+        <p14:creationId xmlns:p14="http://schemas.microsoft.com/office/powerpoint/2010/main" val="2702929297"/>
+      </p:ext>
+    </p:extLst>
+  </p:cSld>
+  <p:clrMapOvr>
+    <a:masterClrMapping/>
+  </p:clrMapOvr>
+</p:sld>
+</file>
+
 <file path=ppt/theme/theme1.xml><?xml version="1.0" encoding="utf-8"?>
 <a:theme xmlns:a="http://schemas.openxmlformats.org/drawingml/2006/main" name="Office テーマ">
   <a:themeElements>

--- a/invoke-kudu-rest-api/images/figures.pptx
+++ b/invoke-kudu-rest-api/images/figures.pptx
@@ -7,9 +7,10 @@
   <p:sldIdLst>
     <p:sldId id="256" r:id="rId2"/>
     <p:sldId id="258" r:id="rId3"/>
-    <p:sldId id="259" r:id="rId4"/>
-    <p:sldId id="260" r:id="rId5"/>
-    <p:sldId id="261" r:id="rId6"/>
+    <p:sldId id="262" r:id="rId4"/>
+    <p:sldId id="259" r:id="rId5"/>
+    <p:sldId id="260" r:id="rId6"/>
+    <p:sldId id="261" r:id="rId7"/>
   </p:sldIdLst>
   <p:sldSz cx="12192000" cy="6858000"/>
   <p:notesSz cx="6858000" cy="9144000"/>
@@ -263,7 +264,7 @@
           <a:p>
             <a:fld id="{3529557E-4AFE-4BD1-BBF5-F82B436F9863}" type="datetimeFigureOut">
               <a:rPr kumimoji="1" lang="ja-JP" altLang="en-US" smtClean="0"/>
-              <a:t>2022/9/30</a:t>
+              <a:t>2022/10/1</a:t>
             </a:fld>
             <a:endParaRPr kumimoji="1" lang="ja-JP" altLang="en-US"/>
           </a:p>
@@ -493,7 +494,7 @@
           <a:p>
             <a:fld id="{3529557E-4AFE-4BD1-BBF5-F82B436F9863}" type="datetimeFigureOut">
               <a:rPr kumimoji="1" lang="ja-JP" altLang="en-US" smtClean="0"/>
-              <a:t>2022/9/30</a:t>
+              <a:t>2022/10/1</a:t>
             </a:fld>
             <a:endParaRPr kumimoji="1" lang="ja-JP" altLang="en-US"/>
           </a:p>
@@ -733,7 +734,7 @@
           <a:p>
             <a:fld id="{3529557E-4AFE-4BD1-BBF5-F82B436F9863}" type="datetimeFigureOut">
               <a:rPr kumimoji="1" lang="ja-JP" altLang="en-US" smtClean="0"/>
-              <a:t>2022/9/30</a:t>
+              <a:t>2022/10/1</a:t>
             </a:fld>
             <a:endParaRPr kumimoji="1" lang="ja-JP" altLang="en-US"/>
           </a:p>
@@ -963,7 +964,7 @@
           <a:p>
             <a:fld id="{3529557E-4AFE-4BD1-BBF5-F82B436F9863}" type="datetimeFigureOut">
               <a:rPr kumimoji="1" lang="ja-JP" altLang="en-US" smtClean="0"/>
-              <a:t>2022/9/30</a:t>
+              <a:t>2022/10/1</a:t>
             </a:fld>
             <a:endParaRPr kumimoji="1" lang="ja-JP" altLang="en-US"/>
           </a:p>
@@ -1238,7 +1239,7 @@
           <a:p>
             <a:fld id="{3529557E-4AFE-4BD1-BBF5-F82B436F9863}" type="datetimeFigureOut">
               <a:rPr kumimoji="1" lang="ja-JP" altLang="en-US" smtClean="0"/>
-              <a:t>2022/9/30</a:t>
+              <a:t>2022/10/1</a:t>
             </a:fld>
             <a:endParaRPr kumimoji="1" lang="ja-JP" altLang="en-US"/>
           </a:p>
@@ -1567,7 +1568,7 @@
           <a:p>
             <a:fld id="{3529557E-4AFE-4BD1-BBF5-F82B436F9863}" type="datetimeFigureOut">
               <a:rPr kumimoji="1" lang="ja-JP" altLang="en-US" smtClean="0"/>
-              <a:t>2022/9/30</a:t>
+              <a:t>2022/10/1</a:t>
             </a:fld>
             <a:endParaRPr kumimoji="1" lang="ja-JP" altLang="en-US"/>
           </a:p>
@@ -2043,7 +2044,7 @@
           <a:p>
             <a:fld id="{3529557E-4AFE-4BD1-BBF5-F82B436F9863}" type="datetimeFigureOut">
               <a:rPr kumimoji="1" lang="ja-JP" altLang="en-US" smtClean="0"/>
-              <a:t>2022/9/30</a:t>
+              <a:t>2022/10/1</a:t>
             </a:fld>
             <a:endParaRPr kumimoji="1" lang="ja-JP" altLang="en-US"/>
           </a:p>
@@ -2184,7 +2185,7 @@
           <a:p>
             <a:fld id="{3529557E-4AFE-4BD1-BBF5-F82B436F9863}" type="datetimeFigureOut">
               <a:rPr kumimoji="1" lang="ja-JP" altLang="en-US" smtClean="0"/>
-              <a:t>2022/9/30</a:t>
+              <a:t>2022/10/1</a:t>
             </a:fld>
             <a:endParaRPr kumimoji="1" lang="ja-JP" altLang="en-US"/>
           </a:p>
@@ -2297,7 +2298,7 @@
           <a:p>
             <a:fld id="{3529557E-4AFE-4BD1-BBF5-F82B436F9863}" type="datetimeFigureOut">
               <a:rPr kumimoji="1" lang="ja-JP" altLang="en-US" smtClean="0"/>
-              <a:t>2022/9/30</a:t>
+              <a:t>2022/10/1</a:t>
             </a:fld>
             <a:endParaRPr kumimoji="1" lang="ja-JP" altLang="en-US"/>
           </a:p>
@@ -2640,7 +2641,7 @@
           <a:p>
             <a:fld id="{3529557E-4AFE-4BD1-BBF5-F82B436F9863}" type="datetimeFigureOut">
               <a:rPr kumimoji="1" lang="ja-JP" altLang="en-US" smtClean="0"/>
-              <a:t>2022/9/30</a:t>
+              <a:t>2022/10/1</a:t>
             </a:fld>
             <a:endParaRPr kumimoji="1" lang="ja-JP" altLang="en-US"/>
           </a:p>
@@ -2928,7 +2929,7 @@
           <a:p>
             <a:fld id="{3529557E-4AFE-4BD1-BBF5-F82B436F9863}" type="datetimeFigureOut">
               <a:rPr kumimoji="1" lang="ja-JP" altLang="en-US" smtClean="0"/>
-              <a:t>2022/9/30</a:t>
+              <a:t>2022/10/1</a:t>
             </a:fld>
             <a:endParaRPr kumimoji="1" lang="ja-JP" altLang="en-US"/>
           </a:p>
@@ -3201,7 +3202,7 @@
           <a:p>
             <a:fld id="{3529557E-4AFE-4BD1-BBF5-F82B436F9863}" type="datetimeFigureOut">
               <a:rPr kumimoji="1" lang="ja-JP" altLang="en-US" smtClean="0"/>
-              <a:t>2022/9/30</a:t>
+              <a:t>2022/10/1</a:t>
             </a:fld>
             <a:endParaRPr kumimoji="1" lang="ja-JP" altLang="en-US"/>
           </a:p>
@@ -5616,42 +5617,6 @@
       </p:sp>
       <p:pic>
         <p:nvPicPr>
-          <p:cNvPr id="31" name="図 30" descr="アイコン&#10;&#10;自動的に生成された説明">
-            <a:extLst>
-              <a:ext uri="{FF2B5EF4-FFF2-40B4-BE49-F238E27FC236}">
-                <a16:creationId xmlns:a16="http://schemas.microsoft.com/office/drawing/2014/main" id="{E95C1ACB-CF36-BC20-2559-23738E20622C}"/>
-              </a:ext>
-            </a:extLst>
-          </p:cNvPr>
-          <p:cNvPicPr>
-            <a:picLocks noChangeAspect="1"/>
-          </p:cNvPicPr>
-          <p:nvPr/>
-        </p:nvPicPr>
-        <p:blipFill>
-          <a:blip r:embed="rId14">
-            <a:extLst>
-              <a:ext uri="{28A0092B-C50C-407E-A947-70E740481C1C}">
-                <a14:useLocalDpi xmlns:a14="http://schemas.microsoft.com/office/drawing/2010/main" val="0"/>
-              </a:ext>
-            </a:extLst>
-          </a:blip>
-          <a:stretch>
-            <a:fillRect/>
-          </a:stretch>
-        </p:blipFill>
-        <p:spPr>
-          <a:xfrm>
-            <a:off x="10207698" y="649848"/>
-            <a:ext cx="514286" cy="581538"/>
-          </a:xfrm>
-          <a:prstGeom prst="rect">
-            <a:avLst/>
-          </a:prstGeom>
-        </p:spPr>
-      </p:pic>
-      <p:pic>
-        <p:nvPicPr>
           <p:cNvPr id="1028" name="Picture 4" descr="Kudu ZipDeploy - Visual Studio Marketplace">
             <a:extLst>
               <a:ext uri="{FF2B5EF4-FFF2-40B4-BE49-F238E27FC236}">
@@ -5665,7 +5630,7 @@
           <p:nvPr/>
         </p:nvPicPr>
         <p:blipFill>
-          <a:blip r:embed="rId15">
+          <a:blip r:embed="rId14">
             <a:clrChange>
               <a:clrFrom>
                 <a:srgbClr val="FFFFFF"/>
@@ -5766,7 +5731,7 @@
           <p:nvPr/>
         </p:nvPicPr>
         <p:blipFill>
-          <a:blip r:embed="rId14">
+          <a:blip r:embed="rId15">
             <a:extLst>
               <a:ext uri="{28A0092B-C50C-407E-A947-70E740481C1C}">
                 <a14:useLocalDpi xmlns:a14="http://schemas.microsoft.com/office/drawing/2010/main" val="0"/>
@@ -6282,10 +6247,10 @@
       </p:grpSpPr>
       <p:pic>
         <p:nvPicPr>
-          <p:cNvPr id="3" name="図 2" descr="グラフィカル ユーザー インターフェイス, アプリケーション&#10;&#10;自動的に生成された説明">
-            <a:extLst>
-              <a:ext uri="{FF2B5EF4-FFF2-40B4-BE49-F238E27FC236}">
-                <a16:creationId xmlns:a16="http://schemas.microsoft.com/office/drawing/2014/main" id="{6B1078E1-96FE-F339-2AB7-F337B93A78E0}"/>
+          <p:cNvPr id="2" name="図 1">
+            <a:extLst>
+              <a:ext uri="{FF2B5EF4-FFF2-40B4-BE49-F238E27FC236}">
+                <a16:creationId xmlns:a16="http://schemas.microsoft.com/office/drawing/2014/main" id="{55744A2A-E965-4DD3-625A-CF4085A55B58}"/>
               </a:ext>
             </a:extLst>
           </p:cNvPr>
@@ -6294,42 +6259,171 @@
           </p:cNvPicPr>
           <p:nvPr/>
         </p:nvPicPr>
-        <p:blipFill>
-          <a:blip r:embed="rId2">
-            <a:extLst>
-              <a:ext uri="{28A0092B-C50C-407E-A947-70E740481C1C}">
-                <a14:useLocalDpi xmlns:a14="http://schemas.microsoft.com/office/drawing/2010/main" val="0"/>
-              </a:ext>
-            </a:extLst>
-          </a:blip>
-          <a:stretch>
-            <a:fillRect/>
-          </a:stretch>
+        <p:blipFill rotWithShape="1">
+          <a:blip r:embed="rId2"/>
+          <a:srcRect t="17121"/>
+          <a:stretch/>
         </p:blipFill>
         <p:spPr>
           <a:xfrm>
-            <a:off x="2225476" y="1003175"/>
-            <a:ext cx="7741048" cy="4851649"/>
+            <a:off x="1057984" y="1811866"/>
+            <a:ext cx="10076033" cy="4076353"/>
           </a:xfrm>
           <a:prstGeom prst="rect">
             <a:avLst/>
           </a:prstGeom>
-          <a:ln>
-            <a:noFill/>
-          </a:ln>
-          <a:effectLst>
-            <a:outerShdw blurRad="292100" dist="139700" dir="2700000" algn="tl" rotWithShape="0">
-              <a:srgbClr val="333333">
-                <a:alpha val="65000"/>
-              </a:srgbClr>
-            </a:outerShdw>
-          </a:effectLst>
         </p:spPr>
       </p:pic>
+      <p:sp>
+        <p:nvSpPr>
+          <p:cNvPr id="3" name="吹き出し: 角を丸めた四角形 2">
+            <a:extLst>
+              <a:ext uri="{FF2B5EF4-FFF2-40B4-BE49-F238E27FC236}">
+                <a16:creationId xmlns:a16="http://schemas.microsoft.com/office/drawing/2014/main" id="{13BE36BF-5918-2CF6-5218-FB53BF80F3E6}"/>
+              </a:ext>
+            </a:extLst>
+          </p:cNvPr>
+          <p:cNvSpPr/>
+          <p:nvPr/>
+        </p:nvSpPr>
+        <p:spPr>
+          <a:xfrm>
+            <a:off x="4369605" y="3606799"/>
+            <a:ext cx="5214661" cy="2370666"/>
+          </a:xfrm>
+          <a:prstGeom prst="wedgeRoundRectCallout">
+            <a:avLst>
+              <a:gd name="adj1" fmla="val -72228"/>
+              <a:gd name="adj2" fmla="val -53929"/>
+              <a:gd name="adj3" fmla="val 16667"/>
+            </a:avLst>
+          </a:prstGeom>
+          <a:solidFill>
+            <a:srgbClr val="ED7D31">
+              <a:alpha val="63922"/>
+            </a:srgbClr>
+          </a:solidFill>
+        </p:spPr>
+        <p:style>
+          <a:lnRef idx="1">
+            <a:schemeClr val="accent2"/>
+          </a:lnRef>
+          <a:fillRef idx="2">
+            <a:schemeClr val="accent2"/>
+          </a:fillRef>
+          <a:effectRef idx="1">
+            <a:schemeClr val="accent2"/>
+          </a:effectRef>
+          <a:fontRef idx="minor">
+            <a:schemeClr val="dk1"/>
+          </a:fontRef>
+        </p:style>
+        <p:txBody>
+          <a:bodyPr rtlCol="0" anchor="t"/>
+          <a:lstStyle/>
+          <a:p>
+            <a:pPr algn="ctr"/>
+            <a:endParaRPr kumimoji="1" lang="en-US" altLang="ja-JP" dirty="0"/>
+          </a:p>
+          <a:p>
+            <a:r>
+              <a:rPr lang="en-US" altLang="ja-JP" dirty="0"/>
+              <a:t>PUT /</a:t>
+            </a:r>
+            <a:r>
+              <a:rPr lang="en-US" altLang="ja-JP" dirty="0" err="1"/>
+              <a:t>api</a:t>
+            </a:r>
+            <a:r>
+              <a:rPr lang="en-US" altLang="ja-JP" dirty="0"/>
+              <a:t>/</a:t>
+            </a:r>
+            <a:r>
+              <a:rPr lang="en-US" altLang="ja-JP" dirty="0" err="1"/>
+              <a:t>zipdeploy</a:t>
+            </a:r>
+            <a:r>
+              <a:rPr lang="en-US" altLang="ja-JP" dirty="0"/>
+              <a:t> HTTP/1.1</a:t>
+            </a:r>
+          </a:p>
+          <a:p>
+            <a:r>
+              <a:rPr kumimoji="1" lang="en-US" altLang="ja-JP" dirty="0"/>
+              <a:t>Host: hoge.sc</a:t>
+            </a:r>
+            <a:r>
+              <a:rPr lang="en-US" altLang="ja-JP" dirty="0"/>
+              <a:t>m.azurewebsite.net</a:t>
+            </a:r>
+          </a:p>
+          <a:p>
+            <a:r>
+              <a:rPr kumimoji="1" lang="en-US" altLang="ja-JP" b="1" dirty="0">
+                <a:solidFill>
+                  <a:srgbClr val="FF0000"/>
+                </a:solidFill>
+              </a:rPr>
+              <a:t>Authorization: Basic </a:t>
+            </a:r>
+            <a:r>
+              <a:rPr kumimoji="1" lang="en-US" altLang="ja-JP" b="1" dirty="0" err="1">
+                <a:solidFill>
+                  <a:srgbClr val="FF0000"/>
+                </a:solidFill>
+              </a:rPr>
+              <a:t>username:password</a:t>
+            </a:r>
+            <a:endParaRPr kumimoji="1" lang="en-US" altLang="ja-JP" b="1" dirty="0">
+              <a:solidFill>
+                <a:srgbClr val="FF0000"/>
+              </a:solidFill>
+            </a:endParaRPr>
+          </a:p>
+          <a:p>
+            <a:endParaRPr lang="en-US" altLang="ja-JP" b="1" dirty="0">
+              <a:solidFill>
+                <a:schemeClr val="tx1"/>
+              </a:solidFill>
+            </a:endParaRPr>
+          </a:p>
+          <a:p>
+            <a:r>
+              <a:rPr lang="ja-JP" altLang="en-US">
+                <a:solidFill>
+                  <a:schemeClr val="tx1"/>
+                </a:solidFill>
+              </a:rPr>
+              <a:t>・・・ </a:t>
+            </a:r>
+            <a:r>
+              <a:rPr lang="en-US" altLang="ja-JP">
+                <a:solidFill>
+                  <a:schemeClr val="tx1"/>
+                </a:solidFill>
+              </a:rPr>
+              <a:t>ZIP </a:t>
+            </a:r>
+            <a:r>
+              <a:rPr lang="ja-JP" altLang="en-US" dirty="0">
+                <a:solidFill>
+                  <a:schemeClr val="tx1"/>
+                </a:solidFill>
+              </a:rPr>
+              <a:t>ファイルのデータ・・・</a:t>
+            </a:r>
+            <a:endParaRPr kumimoji="1" lang="ja-JP" altLang="en-US" dirty="0">
+              <a:solidFill>
+                <a:schemeClr val="tx1"/>
+              </a:solidFill>
+            </a:endParaRPr>
+          </a:p>
+        </p:txBody>
+      </p:sp>
     </p:spTree>
     <p:extLst>
       <p:ext uri="{BB962C8B-B14F-4D97-AF65-F5344CB8AC3E}">
-        <p14:creationId xmlns:p14="http://schemas.microsoft.com/office/powerpoint/2010/main" val="1504511392"/>
+        <p14:creationId xmlns:p14="http://schemas.microsoft.com/office/powerpoint/2010/main" val="3406805856"/>
       </p:ext>
     </p:extLst>
   </p:cSld>
@@ -6358,6 +6452,82 @@
       </p:grpSpPr>
       <p:pic>
         <p:nvPicPr>
+          <p:cNvPr id="3" name="図 2" descr="グラフィカル ユーザー インターフェイス, アプリケーション&#10;&#10;自動的に生成された説明">
+            <a:extLst>
+              <a:ext uri="{FF2B5EF4-FFF2-40B4-BE49-F238E27FC236}">
+                <a16:creationId xmlns:a16="http://schemas.microsoft.com/office/drawing/2014/main" id="{6B1078E1-96FE-F339-2AB7-F337B93A78E0}"/>
+              </a:ext>
+            </a:extLst>
+          </p:cNvPr>
+          <p:cNvPicPr>
+            <a:picLocks noChangeAspect="1"/>
+          </p:cNvPicPr>
+          <p:nvPr/>
+        </p:nvPicPr>
+        <p:blipFill>
+          <a:blip r:embed="rId2">
+            <a:extLst>
+              <a:ext uri="{28A0092B-C50C-407E-A947-70E740481C1C}">
+                <a14:useLocalDpi xmlns:a14="http://schemas.microsoft.com/office/drawing/2010/main" val="0"/>
+              </a:ext>
+            </a:extLst>
+          </a:blip>
+          <a:stretch>
+            <a:fillRect/>
+          </a:stretch>
+        </p:blipFill>
+        <p:spPr>
+          <a:xfrm>
+            <a:off x="2225476" y="1003175"/>
+            <a:ext cx="7741048" cy="4851649"/>
+          </a:xfrm>
+          <a:prstGeom prst="rect">
+            <a:avLst/>
+          </a:prstGeom>
+          <a:ln>
+            <a:noFill/>
+          </a:ln>
+          <a:effectLst>
+            <a:outerShdw blurRad="292100" dist="139700" dir="2700000" algn="tl" rotWithShape="0">
+              <a:srgbClr val="333333">
+                <a:alpha val="65000"/>
+              </a:srgbClr>
+            </a:outerShdw>
+          </a:effectLst>
+        </p:spPr>
+      </p:pic>
+    </p:spTree>
+    <p:extLst>
+      <p:ext uri="{BB962C8B-B14F-4D97-AF65-F5344CB8AC3E}">
+        <p14:creationId xmlns:p14="http://schemas.microsoft.com/office/powerpoint/2010/main" val="1504511392"/>
+      </p:ext>
+    </p:extLst>
+  </p:cSld>
+  <p:clrMapOvr>
+    <a:masterClrMapping/>
+  </p:clrMapOvr>
+</p:sld>
+</file>
+
+<file path=ppt/slides/slide5.xml><?xml version="1.0" encoding="utf-8"?>
+<p:sld xmlns:a="http://schemas.openxmlformats.org/drawingml/2006/main" xmlns:r="http://schemas.openxmlformats.org/officeDocument/2006/relationships" xmlns:p="http://schemas.openxmlformats.org/presentationml/2006/main">
+  <p:cSld>
+    <p:spTree>
+      <p:nvGrpSpPr>
+        <p:cNvPr id="1" name=""/>
+        <p:cNvGrpSpPr/>
+        <p:nvPr/>
+      </p:nvGrpSpPr>
+      <p:grpSpPr>
+        <a:xfrm>
+          <a:off x="0" y="0"/>
+          <a:ext cx="0" cy="0"/>
+          <a:chOff x="0" y="0"/>
+          <a:chExt cx="0" cy="0"/>
+        </a:xfrm>
+      </p:grpSpPr>
+      <p:pic>
+        <p:nvPicPr>
           <p:cNvPr id="5" name="図 4">
             <a:extLst>
               <a:ext uri="{FF2B5EF4-FFF2-40B4-BE49-F238E27FC236}">
@@ -6501,7 +6671,7 @@
 </p:sld>
 </file>
 
-<file path=ppt/slides/slide5.xml><?xml version="1.0" encoding="utf-8"?>
+<file path=ppt/slides/slide6.xml><?xml version="1.0" encoding="utf-8"?>
 <p:sld xmlns:a="http://schemas.openxmlformats.org/drawingml/2006/main" xmlns:r="http://schemas.openxmlformats.org/officeDocument/2006/relationships" xmlns:p="http://schemas.openxmlformats.org/presentationml/2006/main">
   <p:cSld>
     <p:spTree>

--- a/invoke-kudu-rest-api/images/figures.pptx
+++ b/invoke-kudu-rest-api/images/figures.pptx
@@ -6288,7 +6288,7 @@
         </p:nvSpPr>
         <p:spPr>
           <a:xfrm>
-            <a:off x="4369605" y="3606799"/>
+            <a:off x="4030939" y="3615265"/>
             <a:ext cx="5214661" cy="2370666"/>
           </a:xfrm>
           <a:prstGeom prst="wedgeRoundRectCallout">
@@ -6389,7 +6389,7 @@
           </a:p>
           <a:p>
             <a:r>
-              <a:rPr lang="ja-JP" altLang="en-US">
+              <a:rPr lang="ja-JP" altLang="en-US" dirty="0">
                 <a:solidFill>
                   <a:schemeClr val="tx1"/>
                 </a:solidFill>
@@ -6397,7 +6397,7 @@
               <a:t>・・・ </a:t>
             </a:r>
             <a:r>
-              <a:rPr lang="en-US" altLang="ja-JP">
+              <a:rPr lang="en-US" altLang="ja-JP" dirty="0">
                 <a:solidFill>
                   <a:schemeClr val="tx1"/>
                 </a:solidFill>
